--- a/ja/application_framework/application_framework/setting_guide/CustomizingConfigurations/_images.pptx
+++ b/ja/application_framework/application_framework/setting_guide/CustomizingConfigurations/_images.pptx
@@ -107,6 +107,22 @@
       </a:defRPr>
     </a:lvl9pPr>
   </p:defaultTextStyle>
+  <p:extLst>
+    <p:ext uri="{EFAFB233-063F-42B5-8137-9DF3F51BA10A}">
+      <p15:sldGuideLst xmlns:p15="http://schemas.microsoft.com/office/powerpoint/2012/main">
+        <p15:guide id="1" orient="horz" pos="1616">
+          <p15:clr>
+            <a:srgbClr val="A4A3A4"/>
+          </p15:clr>
+        </p15:guide>
+        <p15:guide id="2" pos="1440">
+          <p15:clr>
+            <a:srgbClr val="A4A3A4"/>
+          </p15:clr>
+        </p15:guide>
+      </p15:sldGuideLst>
+    </p:ext>
+  </p:extLst>
 </p:presentation>
 </file>
 
@@ -192,7 +208,7 @@
           <a:p>
             <a:fld id="{67667650-FEC4-4D89-A87C-1A00CF4130BF}" type="datetimeFigureOut">
               <a:rPr kumimoji="1" lang="ja-JP" altLang="en-US" smtClean="0"/>
-              <a:t>2016/6/30</a:t>
+              <a:t>2021/2/9</a:t>
             </a:fld>
             <a:endParaRPr kumimoji="1" lang="ja-JP" altLang="en-US"/>
           </a:p>
@@ -256,70 +272,69 @@
           <a:p>
             <a:pPr lvl="0"/>
             <a:r>
-              <a:rPr kumimoji="1" lang="ja-JP" altLang="en-US" smtClean="0"/>
+              <a:rPr kumimoji="1" lang="ja-JP" altLang="en-US"/>
               <a:t>マスター テキストの書式設定</a:t>
             </a:r>
           </a:p>
           <a:p>
             <a:pPr lvl="1"/>
             <a:r>
-              <a:rPr kumimoji="1" lang="ja-JP" altLang="en-US" smtClean="0"/>
+              <a:rPr kumimoji="1" lang="ja-JP" altLang="en-US"/>
               <a:t>第 </a:t>
             </a:r>
             <a:r>
-              <a:rPr kumimoji="1" lang="en-US" altLang="ja-JP" smtClean="0"/>
+              <a:rPr kumimoji="1" lang="en-US" altLang="ja-JP"/>
               <a:t>2 </a:t>
             </a:r>
             <a:r>
-              <a:rPr kumimoji="1" lang="ja-JP" altLang="en-US" smtClean="0"/>
+              <a:rPr kumimoji="1" lang="ja-JP" altLang="en-US"/>
               <a:t>レベル</a:t>
             </a:r>
           </a:p>
           <a:p>
             <a:pPr lvl="2"/>
             <a:r>
-              <a:rPr kumimoji="1" lang="ja-JP" altLang="en-US" smtClean="0"/>
+              <a:rPr kumimoji="1" lang="ja-JP" altLang="en-US"/>
               <a:t>第 </a:t>
             </a:r>
             <a:r>
-              <a:rPr kumimoji="1" lang="en-US" altLang="ja-JP" smtClean="0"/>
+              <a:rPr kumimoji="1" lang="en-US" altLang="ja-JP"/>
               <a:t>3 </a:t>
             </a:r>
             <a:r>
-              <a:rPr kumimoji="1" lang="ja-JP" altLang="en-US" smtClean="0"/>
+              <a:rPr kumimoji="1" lang="ja-JP" altLang="en-US"/>
               <a:t>レベル</a:t>
             </a:r>
           </a:p>
           <a:p>
             <a:pPr lvl="3"/>
             <a:r>
-              <a:rPr kumimoji="1" lang="ja-JP" altLang="en-US" smtClean="0"/>
+              <a:rPr kumimoji="1" lang="ja-JP" altLang="en-US"/>
               <a:t>第 </a:t>
             </a:r>
             <a:r>
-              <a:rPr kumimoji="1" lang="en-US" altLang="ja-JP" smtClean="0"/>
+              <a:rPr kumimoji="1" lang="en-US" altLang="ja-JP"/>
               <a:t>4 </a:t>
             </a:r>
             <a:r>
-              <a:rPr kumimoji="1" lang="ja-JP" altLang="en-US" smtClean="0"/>
+              <a:rPr kumimoji="1" lang="ja-JP" altLang="en-US"/>
               <a:t>レベル</a:t>
             </a:r>
           </a:p>
           <a:p>
             <a:pPr lvl="4"/>
             <a:r>
-              <a:rPr kumimoji="1" lang="ja-JP" altLang="en-US" smtClean="0"/>
+              <a:rPr kumimoji="1" lang="ja-JP" altLang="en-US"/>
               <a:t>第 </a:t>
             </a:r>
             <a:r>
-              <a:rPr kumimoji="1" lang="en-US" altLang="ja-JP" smtClean="0"/>
+              <a:rPr kumimoji="1" lang="en-US" altLang="ja-JP"/>
               <a:t>5 </a:t>
             </a:r>
             <a:r>
-              <a:rPr kumimoji="1" lang="ja-JP" altLang="en-US" smtClean="0"/>
+              <a:rPr kumimoji="1" lang="ja-JP" altLang="en-US"/>
               <a:t>レベル</a:t>
             </a:r>
-            <a:endParaRPr kumimoji="1" lang="ja-JP" altLang="en-US"/>
           </a:p>
         </p:txBody>
       </p:sp>
@@ -614,10 +629,9 @@
           <a:lstStyle/>
           <a:p>
             <a:r>
-              <a:rPr kumimoji="1" lang="ja-JP" altLang="en-US" smtClean="0"/>
+              <a:rPr kumimoji="1" lang="ja-JP" altLang="en-US"/>
               <a:t>マスタ タイトルの書式設定</a:t>
             </a:r>
-            <a:endParaRPr kumimoji="1" lang="ja-JP" altLang="en-US"/>
           </a:p>
         </p:txBody>
       </p:sp>
@@ -733,10 +747,9 @@
           </a:lstStyle>
           <a:p>
             <a:r>
-              <a:rPr kumimoji="1" lang="ja-JP" altLang="en-US" smtClean="0"/>
+              <a:rPr kumimoji="1" lang="ja-JP" altLang="en-US"/>
               <a:t>マスタ サブタイトルの書式設定</a:t>
             </a:r>
-            <a:endParaRPr kumimoji="1" lang="ja-JP" altLang="en-US"/>
           </a:p>
         </p:txBody>
       </p:sp>
@@ -757,7 +770,7 @@
           <a:p>
             <a:fld id="{E90ED720-0104-4369-84BC-D37694168613}" type="datetimeFigureOut">
               <a:rPr kumimoji="1" lang="ja-JP" altLang="en-US" smtClean="0"/>
-              <a:t>2016/6/30</a:t>
+              <a:t>2021/2/9</a:t>
             </a:fld>
             <a:endParaRPr kumimoji="1" lang="ja-JP" altLang="en-US" dirty="0"/>
           </a:p>
@@ -846,10 +859,9 @@
           <a:lstStyle/>
           <a:p>
             <a:r>
-              <a:rPr kumimoji="1" lang="ja-JP" altLang="en-US" smtClean="0"/>
+              <a:rPr kumimoji="1" lang="ja-JP" altLang="en-US"/>
               <a:t>マスタ タイトルの書式設定</a:t>
             </a:r>
-            <a:endParaRPr kumimoji="1" lang="ja-JP" altLang="en-US"/>
           </a:p>
         </p:txBody>
       </p:sp>
@@ -870,70 +882,69 @@
           <a:p>
             <a:pPr lvl="0"/>
             <a:r>
-              <a:rPr kumimoji="1" lang="ja-JP" altLang="en-US" smtClean="0"/>
+              <a:rPr kumimoji="1" lang="ja-JP" altLang="en-US"/>
               <a:t>マスタ テキストの書式設定</a:t>
             </a:r>
           </a:p>
           <a:p>
             <a:pPr lvl="1"/>
             <a:r>
-              <a:rPr kumimoji="1" lang="ja-JP" altLang="en-US" smtClean="0"/>
+              <a:rPr kumimoji="1" lang="ja-JP" altLang="en-US"/>
               <a:t>第 </a:t>
             </a:r>
             <a:r>
-              <a:rPr kumimoji="1" lang="en-US" altLang="ja-JP" smtClean="0"/>
+              <a:rPr kumimoji="1" lang="en-US" altLang="ja-JP"/>
               <a:t>2 </a:t>
             </a:r>
             <a:r>
-              <a:rPr kumimoji="1" lang="ja-JP" altLang="en-US" smtClean="0"/>
+              <a:rPr kumimoji="1" lang="ja-JP" altLang="en-US"/>
               <a:t>レベル</a:t>
             </a:r>
           </a:p>
           <a:p>
             <a:pPr lvl="2"/>
             <a:r>
-              <a:rPr kumimoji="1" lang="ja-JP" altLang="en-US" smtClean="0"/>
+              <a:rPr kumimoji="1" lang="ja-JP" altLang="en-US"/>
               <a:t>第 </a:t>
             </a:r>
             <a:r>
-              <a:rPr kumimoji="1" lang="en-US" altLang="ja-JP" smtClean="0"/>
+              <a:rPr kumimoji="1" lang="en-US" altLang="ja-JP"/>
               <a:t>3 </a:t>
             </a:r>
             <a:r>
-              <a:rPr kumimoji="1" lang="ja-JP" altLang="en-US" smtClean="0"/>
+              <a:rPr kumimoji="1" lang="ja-JP" altLang="en-US"/>
               <a:t>レベル</a:t>
             </a:r>
           </a:p>
           <a:p>
             <a:pPr lvl="3"/>
             <a:r>
-              <a:rPr kumimoji="1" lang="ja-JP" altLang="en-US" smtClean="0"/>
+              <a:rPr kumimoji="1" lang="ja-JP" altLang="en-US"/>
               <a:t>第 </a:t>
             </a:r>
             <a:r>
-              <a:rPr kumimoji="1" lang="en-US" altLang="ja-JP" smtClean="0"/>
+              <a:rPr kumimoji="1" lang="en-US" altLang="ja-JP"/>
               <a:t>4 </a:t>
             </a:r>
             <a:r>
-              <a:rPr kumimoji="1" lang="ja-JP" altLang="en-US" smtClean="0"/>
+              <a:rPr kumimoji="1" lang="ja-JP" altLang="en-US"/>
               <a:t>レベル</a:t>
             </a:r>
           </a:p>
           <a:p>
             <a:pPr lvl="4"/>
             <a:r>
-              <a:rPr kumimoji="1" lang="ja-JP" altLang="en-US" smtClean="0"/>
+              <a:rPr kumimoji="1" lang="ja-JP" altLang="en-US"/>
               <a:t>第 </a:t>
             </a:r>
             <a:r>
-              <a:rPr kumimoji="1" lang="en-US" altLang="ja-JP" smtClean="0"/>
+              <a:rPr kumimoji="1" lang="en-US" altLang="ja-JP"/>
               <a:t>5 </a:t>
             </a:r>
             <a:r>
-              <a:rPr kumimoji="1" lang="ja-JP" altLang="en-US" smtClean="0"/>
+              <a:rPr kumimoji="1" lang="ja-JP" altLang="en-US"/>
               <a:t>レベル</a:t>
             </a:r>
-            <a:endParaRPr kumimoji="1" lang="ja-JP" altLang="en-US"/>
           </a:p>
         </p:txBody>
       </p:sp>
@@ -954,7 +965,7 @@
           <a:p>
             <a:fld id="{E90ED720-0104-4369-84BC-D37694168613}" type="datetimeFigureOut">
               <a:rPr kumimoji="1" lang="ja-JP" altLang="en-US" smtClean="0"/>
-              <a:t>2016/6/30</a:t>
+              <a:t>2021/2/9</a:t>
             </a:fld>
             <a:endParaRPr kumimoji="1" lang="ja-JP" altLang="en-US" dirty="0"/>
           </a:p>
@@ -1048,10 +1059,9 @@
           <a:lstStyle/>
           <a:p>
             <a:r>
-              <a:rPr kumimoji="1" lang="ja-JP" altLang="en-US" smtClean="0"/>
+              <a:rPr kumimoji="1" lang="ja-JP" altLang="en-US"/>
               <a:t>マスタ タイトルの書式設定</a:t>
             </a:r>
-            <a:endParaRPr kumimoji="1" lang="ja-JP" altLang="en-US"/>
           </a:p>
         </p:txBody>
       </p:sp>
@@ -1077,70 +1087,69 @@
           <a:p>
             <a:pPr lvl="0"/>
             <a:r>
-              <a:rPr kumimoji="1" lang="ja-JP" altLang="en-US" smtClean="0"/>
+              <a:rPr kumimoji="1" lang="ja-JP" altLang="en-US"/>
               <a:t>マスタ テキストの書式設定</a:t>
             </a:r>
           </a:p>
           <a:p>
             <a:pPr lvl="1"/>
             <a:r>
-              <a:rPr kumimoji="1" lang="ja-JP" altLang="en-US" smtClean="0"/>
+              <a:rPr kumimoji="1" lang="ja-JP" altLang="en-US"/>
               <a:t>第 </a:t>
             </a:r>
             <a:r>
-              <a:rPr kumimoji="1" lang="en-US" altLang="ja-JP" smtClean="0"/>
+              <a:rPr kumimoji="1" lang="en-US" altLang="ja-JP"/>
               <a:t>2 </a:t>
             </a:r>
             <a:r>
-              <a:rPr kumimoji="1" lang="ja-JP" altLang="en-US" smtClean="0"/>
+              <a:rPr kumimoji="1" lang="ja-JP" altLang="en-US"/>
               <a:t>レベル</a:t>
             </a:r>
           </a:p>
           <a:p>
             <a:pPr lvl="2"/>
             <a:r>
-              <a:rPr kumimoji="1" lang="ja-JP" altLang="en-US" smtClean="0"/>
+              <a:rPr kumimoji="1" lang="ja-JP" altLang="en-US"/>
               <a:t>第 </a:t>
             </a:r>
             <a:r>
-              <a:rPr kumimoji="1" lang="en-US" altLang="ja-JP" smtClean="0"/>
+              <a:rPr kumimoji="1" lang="en-US" altLang="ja-JP"/>
               <a:t>3 </a:t>
             </a:r>
             <a:r>
-              <a:rPr kumimoji="1" lang="ja-JP" altLang="en-US" smtClean="0"/>
+              <a:rPr kumimoji="1" lang="ja-JP" altLang="en-US"/>
               <a:t>レベル</a:t>
             </a:r>
           </a:p>
           <a:p>
             <a:pPr lvl="3"/>
             <a:r>
-              <a:rPr kumimoji="1" lang="ja-JP" altLang="en-US" smtClean="0"/>
+              <a:rPr kumimoji="1" lang="ja-JP" altLang="en-US"/>
               <a:t>第 </a:t>
             </a:r>
             <a:r>
-              <a:rPr kumimoji="1" lang="en-US" altLang="ja-JP" smtClean="0"/>
+              <a:rPr kumimoji="1" lang="en-US" altLang="ja-JP"/>
               <a:t>4 </a:t>
             </a:r>
             <a:r>
-              <a:rPr kumimoji="1" lang="ja-JP" altLang="en-US" smtClean="0"/>
+              <a:rPr kumimoji="1" lang="ja-JP" altLang="en-US"/>
               <a:t>レベル</a:t>
             </a:r>
           </a:p>
           <a:p>
             <a:pPr lvl="4"/>
             <a:r>
-              <a:rPr kumimoji="1" lang="ja-JP" altLang="en-US" smtClean="0"/>
+              <a:rPr kumimoji="1" lang="ja-JP" altLang="en-US"/>
               <a:t>第 </a:t>
             </a:r>
             <a:r>
-              <a:rPr kumimoji="1" lang="en-US" altLang="ja-JP" smtClean="0"/>
+              <a:rPr kumimoji="1" lang="en-US" altLang="ja-JP"/>
               <a:t>5 </a:t>
             </a:r>
             <a:r>
-              <a:rPr kumimoji="1" lang="ja-JP" altLang="en-US" smtClean="0"/>
+              <a:rPr kumimoji="1" lang="ja-JP" altLang="en-US"/>
               <a:t>レベル</a:t>
             </a:r>
-            <a:endParaRPr kumimoji="1" lang="ja-JP" altLang="en-US"/>
           </a:p>
         </p:txBody>
       </p:sp>
@@ -1161,7 +1170,7 @@
           <a:p>
             <a:fld id="{E90ED720-0104-4369-84BC-D37694168613}" type="datetimeFigureOut">
               <a:rPr kumimoji="1" lang="ja-JP" altLang="en-US" smtClean="0"/>
-              <a:t>2016/6/30</a:t>
+              <a:t>2021/2/9</a:t>
             </a:fld>
             <a:endParaRPr kumimoji="1" lang="ja-JP" altLang="en-US" dirty="0"/>
           </a:p>
@@ -1250,10 +1259,9 @@
           <a:lstStyle/>
           <a:p>
             <a:r>
-              <a:rPr kumimoji="1" lang="ja-JP" altLang="en-US" smtClean="0"/>
+              <a:rPr kumimoji="1" lang="ja-JP" altLang="en-US"/>
               <a:t>マスタ タイトルの書式設定</a:t>
             </a:r>
-            <a:endParaRPr kumimoji="1" lang="ja-JP" altLang="en-US"/>
           </a:p>
         </p:txBody>
       </p:sp>
@@ -1274,70 +1282,69 @@
           <a:p>
             <a:pPr lvl="0"/>
             <a:r>
-              <a:rPr kumimoji="1" lang="ja-JP" altLang="en-US" smtClean="0"/>
+              <a:rPr kumimoji="1" lang="ja-JP" altLang="en-US"/>
               <a:t>マスタ テキストの書式設定</a:t>
             </a:r>
           </a:p>
           <a:p>
             <a:pPr lvl="1"/>
             <a:r>
-              <a:rPr kumimoji="1" lang="ja-JP" altLang="en-US" smtClean="0"/>
+              <a:rPr kumimoji="1" lang="ja-JP" altLang="en-US"/>
               <a:t>第 </a:t>
             </a:r>
             <a:r>
-              <a:rPr kumimoji="1" lang="en-US" altLang="ja-JP" smtClean="0"/>
+              <a:rPr kumimoji="1" lang="en-US" altLang="ja-JP"/>
               <a:t>2 </a:t>
             </a:r>
             <a:r>
-              <a:rPr kumimoji="1" lang="ja-JP" altLang="en-US" smtClean="0"/>
+              <a:rPr kumimoji="1" lang="ja-JP" altLang="en-US"/>
               <a:t>レベル</a:t>
             </a:r>
           </a:p>
           <a:p>
             <a:pPr lvl="2"/>
             <a:r>
-              <a:rPr kumimoji="1" lang="ja-JP" altLang="en-US" smtClean="0"/>
+              <a:rPr kumimoji="1" lang="ja-JP" altLang="en-US"/>
               <a:t>第 </a:t>
             </a:r>
             <a:r>
-              <a:rPr kumimoji="1" lang="en-US" altLang="ja-JP" smtClean="0"/>
+              <a:rPr kumimoji="1" lang="en-US" altLang="ja-JP"/>
               <a:t>3 </a:t>
             </a:r>
             <a:r>
-              <a:rPr kumimoji="1" lang="ja-JP" altLang="en-US" smtClean="0"/>
+              <a:rPr kumimoji="1" lang="ja-JP" altLang="en-US"/>
               <a:t>レベル</a:t>
             </a:r>
           </a:p>
           <a:p>
             <a:pPr lvl="3"/>
             <a:r>
-              <a:rPr kumimoji="1" lang="ja-JP" altLang="en-US" smtClean="0"/>
+              <a:rPr kumimoji="1" lang="ja-JP" altLang="en-US"/>
               <a:t>第 </a:t>
             </a:r>
             <a:r>
-              <a:rPr kumimoji="1" lang="en-US" altLang="ja-JP" smtClean="0"/>
+              <a:rPr kumimoji="1" lang="en-US" altLang="ja-JP"/>
               <a:t>4 </a:t>
             </a:r>
             <a:r>
-              <a:rPr kumimoji="1" lang="ja-JP" altLang="en-US" smtClean="0"/>
+              <a:rPr kumimoji="1" lang="ja-JP" altLang="en-US"/>
               <a:t>レベル</a:t>
             </a:r>
           </a:p>
           <a:p>
             <a:pPr lvl="4"/>
             <a:r>
-              <a:rPr kumimoji="1" lang="ja-JP" altLang="en-US" smtClean="0"/>
+              <a:rPr kumimoji="1" lang="ja-JP" altLang="en-US"/>
               <a:t>第 </a:t>
             </a:r>
             <a:r>
-              <a:rPr kumimoji="1" lang="en-US" altLang="ja-JP" smtClean="0"/>
+              <a:rPr kumimoji="1" lang="en-US" altLang="ja-JP"/>
               <a:t>5 </a:t>
             </a:r>
             <a:r>
-              <a:rPr kumimoji="1" lang="ja-JP" altLang="en-US" smtClean="0"/>
+              <a:rPr kumimoji="1" lang="ja-JP" altLang="en-US"/>
               <a:t>レベル</a:t>
             </a:r>
-            <a:endParaRPr kumimoji="1" lang="ja-JP" altLang="en-US"/>
           </a:p>
         </p:txBody>
       </p:sp>
@@ -1358,7 +1365,7 @@
           <a:p>
             <a:fld id="{E90ED720-0104-4369-84BC-D37694168613}" type="datetimeFigureOut">
               <a:rPr kumimoji="1" lang="ja-JP" altLang="en-US" smtClean="0"/>
-              <a:t>2016/6/30</a:t>
+              <a:t>2021/2/9</a:t>
             </a:fld>
             <a:endParaRPr kumimoji="1" lang="ja-JP" altLang="en-US" dirty="0"/>
           </a:p>
@@ -1456,10 +1463,9 @@
           </a:lstStyle>
           <a:p>
             <a:r>
-              <a:rPr kumimoji="1" lang="ja-JP" altLang="en-US" smtClean="0"/>
+              <a:rPr kumimoji="1" lang="ja-JP" altLang="en-US"/>
               <a:t>マスタ タイトルの書式設定</a:t>
             </a:r>
-            <a:endParaRPr kumimoji="1" lang="ja-JP" altLang="en-US"/>
           </a:p>
         </p:txBody>
       </p:sp>
@@ -1576,7 +1582,7 @@
           <a:p>
             <a:pPr lvl="0"/>
             <a:r>
-              <a:rPr kumimoji="1" lang="ja-JP" altLang="en-US" smtClean="0"/>
+              <a:rPr kumimoji="1" lang="ja-JP" altLang="en-US"/>
               <a:t>マスタ テキストの書式設定</a:t>
             </a:r>
           </a:p>
@@ -1599,7 +1605,7 @@
           <a:p>
             <a:fld id="{E90ED720-0104-4369-84BC-D37694168613}" type="datetimeFigureOut">
               <a:rPr kumimoji="1" lang="ja-JP" altLang="en-US" smtClean="0"/>
-              <a:t>2016/6/30</a:t>
+              <a:t>2021/2/9</a:t>
             </a:fld>
             <a:endParaRPr kumimoji="1" lang="ja-JP" altLang="en-US" dirty="0"/>
           </a:p>
@@ -1688,10 +1694,9 @@
           <a:lstStyle/>
           <a:p>
             <a:r>
-              <a:rPr kumimoji="1" lang="ja-JP" altLang="en-US" smtClean="0"/>
+              <a:rPr kumimoji="1" lang="ja-JP" altLang="en-US"/>
               <a:t>マスタ タイトルの書式設定</a:t>
             </a:r>
-            <a:endParaRPr kumimoji="1" lang="ja-JP" altLang="en-US"/>
           </a:p>
         </p:txBody>
       </p:sp>
@@ -1745,70 +1750,69 @@
           <a:p>
             <a:pPr lvl="0"/>
             <a:r>
-              <a:rPr kumimoji="1" lang="ja-JP" altLang="en-US" smtClean="0"/>
+              <a:rPr kumimoji="1" lang="ja-JP" altLang="en-US"/>
               <a:t>マスタ テキストの書式設定</a:t>
             </a:r>
           </a:p>
           <a:p>
             <a:pPr lvl="1"/>
             <a:r>
-              <a:rPr kumimoji="1" lang="ja-JP" altLang="en-US" smtClean="0"/>
+              <a:rPr kumimoji="1" lang="ja-JP" altLang="en-US"/>
               <a:t>第 </a:t>
             </a:r>
             <a:r>
-              <a:rPr kumimoji="1" lang="en-US" altLang="ja-JP" smtClean="0"/>
+              <a:rPr kumimoji="1" lang="en-US" altLang="ja-JP"/>
               <a:t>2 </a:t>
             </a:r>
             <a:r>
-              <a:rPr kumimoji="1" lang="ja-JP" altLang="en-US" smtClean="0"/>
+              <a:rPr kumimoji="1" lang="ja-JP" altLang="en-US"/>
               <a:t>レベル</a:t>
             </a:r>
           </a:p>
           <a:p>
             <a:pPr lvl="2"/>
             <a:r>
-              <a:rPr kumimoji="1" lang="ja-JP" altLang="en-US" smtClean="0"/>
+              <a:rPr kumimoji="1" lang="ja-JP" altLang="en-US"/>
               <a:t>第 </a:t>
             </a:r>
             <a:r>
-              <a:rPr kumimoji="1" lang="en-US" altLang="ja-JP" smtClean="0"/>
+              <a:rPr kumimoji="1" lang="en-US" altLang="ja-JP"/>
               <a:t>3 </a:t>
             </a:r>
             <a:r>
-              <a:rPr kumimoji="1" lang="ja-JP" altLang="en-US" smtClean="0"/>
+              <a:rPr kumimoji="1" lang="ja-JP" altLang="en-US"/>
               <a:t>レベル</a:t>
             </a:r>
           </a:p>
           <a:p>
             <a:pPr lvl="3"/>
             <a:r>
-              <a:rPr kumimoji="1" lang="ja-JP" altLang="en-US" smtClean="0"/>
+              <a:rPr kumimoji="1" lang="ja-JP" altLang="en-US"/>
               <a:t>第 </a:t>
             </a:r>
             <a:r>
-              <a:rPr kumimoji="1" lang="en-US" altLang="ja-JP" smtClean="0"/>
+              <a:rPr kumimoji="1" lang="en-US" altLang="ja-JP"/>
               <a:t>4 </a:t>
             </a:r>
             <a:r>
-              <a:rPr kumimoji="1" lang="ja-JP" altLang="en-US" smtClean="0"/>
+              <a:rPr kumimoji="1" lang="ja-JP" altLang="en-US"/>
               <a:t>レベル</a:t>
             </a:r>
           </a:p>
           <a:p>
             <a:pPr lvl="4"/>
             <a:r>
-              <a:rPr kumimoji="1" lang="ja-JP" altLang="en-US" smtClean="0"/>
+              <a:rPr kumimoji="1" lang="ja-JP" altLang="en-US"/>
               <a:t>第 </a:t>
             </a:r>
             <a:r>
-              <a:rPr kumimoji="1" lang="en-US" altLang="ja-JP" smtClean="0"/>
+              <a:rPr kumimoji="1" lang="en-US" altLang="ja-JP"/>
               <a:t>5 </a:t>
             </a:r>
             <a:r>
-              <a:rPr kumimoji="1" lang="ja-JP" altLang="en-US" smtClean="0"/>
+              <a:rPr kumimoji="1" lang="ja-JP" altLang="en-US"/>
               <a:t>レベル</a:t>
             </a:r>
-            <a:endParaRPr kumimoji="1" lang="ja-JP" altLang="en-US"/>
           </a:p>
         </p:txBody>
       </p:sp>
@@ -1862,70 +1866,69 @@
           <a:p>
             <a:pPr lvl="0"/>
             <a:r>
-              <a:rPr kumimoji="1" lang="ja-JP" altLang="en-US" smtClean="0"/>
+              <a:rPr kumimoji="1" lang="ja-JP" altLang="en-US"/>
               <a:t>マスタ テキストの書式設定</a:t>
             </a:r>
           </a:p>
           <a:p>
             <a:pPr lvl="1"/>
             <a:r>
-              <a:rPr kumimoji="1" lang="ja-JP" altLang="en-US" smtClean="0"/>
+              <a:rPr kumimoji="1" lang="ja-JP" altLang="en-US"/>
               <a:t>第 </a:t>
             </a:r>
             <a:r>
-              <a:rPr kumimoji="1" lang="en-US" altLang="ja-JP" smtClean="0"/>
+              <a:rPr kumimoji="1" lang="en-US" altLang="ja-JP"/>
               <a:t>2 </a:t>
             </a:r>
             <a:r>
-              <a:rPr kumimoji="1" lang="ja-JP" altLang="en-US" smtClean="0"/>
+              <a:rPr kumimoji="1" lang="ja-JP" altLang="en-US"/>
               <a:t>レベル</a:t>
             </a:r>
           </a:p>
           <a:p>
             <a:pPr lvl="2"/>
             <a:r>
-              <a:rPr kumimoji="1" lang="ja-JP" altLang="en-US" smtClean="0"/>
+              <a:rPr kumimoji="1" lang="ja-JP" altLang="en-US"/>
               <a:t>第 </a:t>
             </a:r>
             <a:r>
-              <a:rPr kumimoji="1" lang="en-US" altLang="ja-JP" smtClean="0"/>
+              <a:rPr kumimoji="1" lang="en-US" altLang="ja-JP"/>
               <a:t>3 </a:t>
             </a:r>
             <a:r>
-              <a:rPr kumimoji="1" lang="ja-JP" altLang="en-US" smtClean="0"/>
+              <a:rPr kumimoji="1" lang="ja-JP" altLang="en-US"/>
               <a:t>レベル</a:t>
             </a:r>
           </a:p>
           <a:p>
             <a:pPr lvl="3"/>
             <a:r>
-              <a:rPr kumimoji="1" lang="ja-JP" altLang="en-US" smtClean="0"/>
+              <a:rPr kumimoji="1" lang="ja-JP" altLang="en-US"/>
               <a:t>第 </a:t>
             </a:r>
             <a:r>
-              <a:rPr kumimoji="1" lang="en-US" altLang="ja-JP" smtClean="0"/>
+              <a:rPr kumimoji="1" lang="en-US" altLang="ja-JP"/>
               <a:t>4 </a:t>
             </a:r>
             <a:r>
-              <a:rPr kumimoji="1" lang="ja-JP" altLang="en-US" smtClean="0"/>
+              <a:rPr kumimoji="1" lang="ja-JP" altLang="en-US"/>
               <a:t>レベル</a:t>
             </a:r>
           </a:p>
           <a:p>
             <a:pPr lvl="4"/>
             <a:r>
-              <a:rPr kumimoji="1" lang="ja-JP" altLang="en-US" smtClean="0"/>
+              <a:rPr kumimoji="1" lang="ja-JP" altLang="en-US"/>
               <a:t>第 </a:t>
             </a:r>
             <a:r>
-              <a:rPr kumimoji="1" lang="en-US" altLang="ja-JP" smtClean="0"/>
+              <a:rPr kumimoji="1" lang="en-US" altLang="ja-JP"/>
               <a:t>5 </a:t>
             </a:r>
             <a:r>
-              <a:rPr kumimoji="1" lang="ja-JP" altLang="en-US" smtClean="0"/>
+              <a:rPr kumimoji="1" lang="ja-JP" altLang="en-US"/>
               <a:t>レベル</a:t>
             </a:r>
-            <a:endParaRPr kumimoji="1" lang="ja-JP" altLang="en-US"/>
           </a:p>
         </p:txBody>
       </p:sp>
@@ -1946,7 +1949,7 @@
           <a:p>
             <a:fld id="{E90ED720-0104-4369-84BC-D37694168613}" type="datetimeFigureOut">
               <a:rPr kumimoji="1" lang="ja-JP" altLang="en-US" smtClean="0"/>
-              <a:t>2016/6/30</a:t>
+              <a:t>2021/2/9</a:t>
             </a:fld>
             <a:endParaRPr kumimoji="1" lang="ja-JP" altLang="en-US" dirty="0"/>
           </a:p>
@@ -2039,10 +2042,9 @@
           </a:lstStyle>
           <a:p>
             <a:r>
-              <a:rPr kumimoji="1" lang="ja-JP" altLang="en-US" smtClean="0"/>
+              <a:rPr kumimoji="1" lang="ja-JP" altLang="en-US"/>
               <a:t>マスタ タイトルの書式設定</a:t>
             </a:r>
-            <a:endParaRPr kumimoji="1" lang="ja-JP" altLang="en-US"/>
           </a:p>
         </p:txBody>
       </p:sp>
@@ -2105,7 +2107,7 @@
           <a:p>
             <a:pPr lvl="0"/>
             <a:r>
-              <a:rPr kumimoji="1" lang="ja-JP" altLang="en-US" smtClean="0"/>
+              <a:rPr kumimoji="1" lang="ja-JP" altLang="en-US"/>
               <a:t>マスタ テキストの書式設定</a:t>
             </a:r>
           </a:p>
@@ -2161,70 +2163,69 @@
           <a:p>
             <a:pPr lvl="0"/>
             <a:r>
-              <a:rPr kumimoji="1" lang="ja-JP" altLang="en-US" smtClean="0"/>
+              <a:rPr kumimoji="1" lang="ja-JP" altLang="en-US"/>
               <a:t>マスタ テキストの書式設定</a:t>
             </a:r>
           </a:p>
           <a:p>
             <a:pPr lvl="1"/>
             <a:r>
-              <a:rPr kumimoji="1" lang="ja-JP" altLang="en-US" smtClean="0"/>
+              <a:rPr kumimoji="1" lang="ja-JP" altLang="en-US"/>
               <a:t>第 </a:t>
             </a:r>
             <a:r>
-              <a:rPr kumimoji="1" lang="en-US" altLang="ja-JP" smtClean="0"/>
+              <a:rPr kumimoji="1" lang="en-US" altLang="ja-JP"/>
               <a:t>2 </a:t>
             </a:r>
             <a:r>
-              <a:rPr kumimoji="1" lang="ja-JP" altLang="en-US" smtClean="0"/>
+              <a:rPr kumimoji="1" lang="ja-JP" altLang="en-US"/>
               <a:t>レベル</a:t>
             </a:r>
           </a:p>
           <a:p>
             <a:pPr lvl="2"/>
             <a:r>
-              <a:rPr kumimoji="1" lang="ja-JP" altLang="en-US" smtClean="0"/>
+              <a:rPr kumimoji="1" lang="ja-JP" altLang="en-US"/>
               <a:t>第 </a:t>
             </a:r>
             <a:r>
-              <a:rPr kumimoji="1" lang="en-US" altLang="ja-JP" smtClean="0"/>
+              <a:rPr kumimoji="1" lang="en-US" altLang="ja-JP"/>
               <a:t>3 </a:t>
             </a:r>
             <a:r>
-              <a:rPr kumimoji="1" lang="ja-JP" altLang="en-US" smtClean="0"/>
+              <a:rPr kumimoji="1" lang="ja-JP" altLang="en-US"/>
               <a:t>レベル</a:t>
             </a:r>
           </a:p>
           <a:p>
             <a:pPr lvl="3"/>
             <a:r>
-              <a:rPr kumimoji="1" lang="ja-JP" altLang="en-US" smtClean="0"/>
+              <a:rPr kumimoji="1" lang="ja-JP" altLang="en-US"/>
               <a:t>第 </a:t>
             </a:r>
             <a:r>
-              <a:rPr kumimoji="1" lang="en-US" altLang="ja-JP" smtClean="0"/>
+              <a:rPr kumimoji="1" lang="en-US" altLang="ja-JP"/>
               <a:t>4 </a:t>
             </a:r>
             <a:r>
-              <a:rPr kumimoji="1" lang="ja-JP" altLang="en-US" smtClean="0"/>
+              <a:rPr kumimoji="1" lang="ja-JP" altLang="en-US"/>
               <a:t>レベル</a:t>
             </a:r>
           </a:p>
           <a:p>
             <a:pPr lvl="4"/>
             <a:r>
-              <a:rPr kumimoji="1" lang="ja-JP" altLang="en-US" smtClean="0"/>
+              <a:rPr kumimoji="1" lang="ja-JP" altLang="en-US"/>
               <a:t>第 </a:t>
             </a:r>
             <a:r>
-              <a:rPr kumimoji="1" lang="en-US" altLang="ja-JP" smtClean="0"/>
+              <a:rPr kumimoji="1" lang="en-US" altLang="ja-JP"/>
               <a:t>5 </a:t>
             </a:r>
             <a:r>
-              <a:rPr kumimoji="1" lang="ja-JP" altLang="en-US" smtClean="0"/>
+              <a:rPr kumimoji="1" lang="ja-JP" altLang="en-US"/>
               <a:t>レベル</a:t>
             </a:r>
-            <a:endParaRPr kumimoji="1" lang="ja-JP" altLang="en-US"/>
           </a:p>
         </p:txBody>
       </p:sp>
@@ -2287,7 +2288,7 @@
           <a:p>
             <a:pPr lvl="0"/>
             <a:r>
-              <a:rPr kumimoji="1" lang="ja-JP" altLang="en-US" smtClean="0"/>
+              <a:rPr kumimoji="1" lang="ja-JP" altLang="en-US"/>
               <a:t>マスタ テキストの書式設定</a:t>
             </a:r>
           </a:p>
@@ -2343,70 +2344,69 @@
           <a:p>
             <a:pPr lvl="0"/>
             <a:r>
-              <a:rPr kumimoji="1" lang="ja-JP" altLang="en-US" smtClean="0"/>
+              <a:rPr kumimoji="1" lang="ja-JP" altLang="en-US"/>
               <a:t>マスタ テキストの書式設定</a:t>
             </a:r>
           </a:p>
           <a:p>
             <a:pPr lvl="1"/>
             <a:r>
-              <a:rPr kumimoji="1" lang="ja-JP" altLang="en-US" smtClean="0"/>
+              <a:rPr kumimoji="1" lang="ja-JP" altLang="en-US"/>
               <a:t>第 </a:t>
             </a:r>
             <a:r>
-              <a:rPr kumimoji="1" lang="en-US" altLang="ja-JP" smtClean="0"/>
+              <a:rPr kumimoji="1" lang="en-US" altLang="ja-JP"/>
               <a:t>2 </a:t>
             </a:r>
             <a:r>
-              <a:rPr kumimoji="1" lang="ja-JP" altLang="en-US" smtClean="0"/>
+              <a:rPr kumimoji="1" lang="ja-JP" altLang="en-US"/>
               <a:t>レベル</a:t>
             </a:r>
           </a:p>
           <a:p>
             <a:pPr lvl="2"/>
             <a:r>
-              <a:rPr kumimoji="1" lang="ja-JP" altLang="en-US" smtClean="0"/>
+              <a:rPr kumimoji="1" lang="ja-JP" altLang="en-US"/>
               <a:t>第 </a:t>
             </a:r>
             <a:r>
-              <a:rPr kumimoji="1" lang="en-US" altLang="ja-JP" smtClean="0"/>
+              <a:rPr kumimoji="1" lang="en-US" altLang="ja-JP"/>
               <a:t>3 </a:t>
             </a:r>
             <a:r>
-              <a:rPr kumimoji="1" lang="ja-JP" altLang="en-US" smtClean="0"/>
+              <a:rPr kumimoji="1" lang="ja-JP" altLang="en-US"/>
               <a:t>レベル</a:t>
             </a:r>
           </a:p>
           <a:p>
             <a:pPr lvl="3"/>
             <a:r>
-              <a:rPr kumimoji="1" lang="ja-JP" altLang="en-US" smtClean="0"/>
+              <a:rPr kumimoji="1" lang="ja-JP" altLang="en-US"/>
               <a:t>第 </a:t>
             </a:r>
             <a:r>
-              <a:rPr kumimoji="1" lang="en-US" altLang="ja-JP" smtClean="0"/>
+              <a:rPr kumimoji="1" lang="en-US" altLang="ja-JP"/>
               <a:t>4 </a:t>
             </a:r>
             <a:r>
-              <a:rPr kumimoji="1" lang="ja-JP" altLang="en-US" smtClean="0"/>
+              <a:rPr kumimoji="1" lang="ja-JP" altLang="en-US"/>
               <a:t>レベル</a:t>
             </a:r>
           </a:p>
           <a:p>
             <a:pPr lvl="4"/>
             <a:r>
-              <a:rPr kumimoji="1" lang="ja-JP" altLang="en-US" smtClean="0"/>
+              <a:rPr kumimoji="1" lang="ja-JP" altLang="en-US"/>
               <a:t>第 </a:t>
             </a:r>
             <a:r>
-              <a:rPr kumimoji="1" lang="en-US" altLang="ja-JP" smtClean="0"/>
+              <a:rPr kumimoji="1" lang="en-US" altLang="ja-JP"/>
               <a:t>5 </a:t>
             </a:r>
             <a:r>
-              <a:rPr kumimoji="1" lang="ja-JP" altLang="en-US" smtClean="0"/>
+              <a:rPr kumimoji="1" lang="ja-JP" altLang="en-US"/>
               <a:t>レベル</a:t>
             </a:r>
-            <a:endParaRPr kumimoji="1" lang="ja-JP" altLang="en-US"/>
           </a:p>
         </p:txBody>
       </p:sp>
@@ -2427,7 +2427,7 @@
           <a:p>
             <a:fld id="{E90ED720-0104-4369-84BC-D37694168613}" type="datetimeFigureOut">
               <a:rPr kumimoji="1" lang="ja-JP" altLang="en-US" smtClean="0"/>
-              <a:t>2016/6/30</a:t>
+              <a:t>2021/2/9</a:t>
             </a:fld>
             <a:endParaRPr kumimoji="1" lang="ja-JP" altLang="en-US" dirty="0"/>
           </a:p>
@@ -2516,10 +2516,9 @@
           <a:lstStyle/>
           <a:p>
             <a:r>
-              <a:rPr kumimoji="1" lang="ja-JP" altLang="en-US" smtClean="0"/>
+              <a:rPr kumimoji="1" lang="ja-JP" altLang="en-US"/>
               <a:t>マスタ タイトルの書式設定</a:t>
             </a:r>
-            <a:endParaRPr kumimoji="1" lang="ja-JP" altLang="en-US"/>
           </a:p>
         </p:txBody>
       </p:sp>
@@ -2540,7 +2539,7 @@
           <a:p>
             <a:fld id="{E90ED720-0104-4369-84BC-D37694168613}" type="datetimeFigureOut">
               <a:rPr kumimoji="1" lang="ja-JP" altLang="en-US" smtClean="0"/>
-              <a:t>2016/6/30</a:t>
+              <a:t>2021/2/9</a:t>
             </a:fld>
             <a:endParaRPr kumimoji="1" lang="ja-JP" altLang="en-US" dirty="0"/>
           </a:p>
@@ -2630,7 +2629,7 @@
           <a:p>
             <a:fld id="{E90ED720-0104-4369-84BC-D37694168613}" type="datetimeFigureOut">
               <a:rPr kumimoji="1" lang="ja-JP" altLang="en-US" smtClean="0"/>
-              <a:t>2016/6/30</a:t>
+              <a:t>2021/2/9</a:t>
             </a:fld>
             <a:endParaRPr kumimoji="1" lang="ja-JP" altLang="en-US" dirty="0"/>
           </a:p>
@@ -2728,10 +2727,9 @@
           </a:lstStyle>
           <a:p>
             <a:r>
-              <a:rPr kumimoji="1" lang="ja-JP" altLang="en-US" smtClean="0"/>
+              <a:rPr kumimoji="1" lang="ja-JP" altLang="en-US"/>
               <a:t>マスタ タイトルの書式設定</a:t>
             </a:r>
-            <a:endParaRPr kumimoji="1" lang="ja-JP" altLang="en-US"/>
           </a:p>
         </p:txBody>
       </p:sp>
@@ -2785,70 +2783,69 @@
           <a:p>
             <a:pPr lvl="0"/>
             <a:r>
-              <a:rPr kumimoji="1" lang="ja-JP" altLang="en-US" smtClean="0"/>
+              <a:rPr kumimoji="1" lang="ja-JP" altLang="en-US"/>
               <a:t>マスタ テキストの書式設定</a:t>
             </a:r>
           </a:p>
           <a:p>
             <a:pPr lvl="1"/>
             <a:r>
-              <a:rPr kumimoji="1" lang="ja-JP" altLang="en-US" smtClean="0"/>
+              <a:rPr kumimoji="1" lang="ja-JP" altLang="en-US"/>
               <a:t>第 </a:t>
             </a:r>
             <a:r>
-              <a:rPr kumimoji="1" lang="en-US" altLang="ja-JP" smtClean="0"/>
+              <a:rPr kumimoji="1" lang="en-US" altLang="ja-JP"/>
               <a:t>2 </a:t>
             </a:r>
             <a:r>
-              <a:rPr kumimoji="1" lang="ja-JP" altLang="en-US" smtClean="0"/>
+              <a:rPr kumimoji="1" lang="ja-JP" altLang="en-US"/>
               <a:t>レベル</a:t>
             </a:r>
           </a:p>
           <a:p>
             <a:pPr lvl="2"/>
             <a:r>
-              <a:rPr kumimoji="1" lang="ja-JP" altLang="en-US" smtClean="0"/>
+              <a:rPr kumimoji="1" lang="ja-JP" altLang="en-US"/>
               <a:t>第 </a:t>
             </a:r>
             <a:r>
-              <a:rPr kumimoji="1" lang="en-US" altLang="ja-JP" smtClean="0"/>
+              <a:rPr kumimoji="1" lang="en-US" altLang="ja-JP"/>
               <a:t>3 </a:t>
             </a:r>
             <a:r>
-              <a:rPr kumimoji="1" lang="ja-JP" altLang="en-US" smtClean="0"/>
+              <a:rPr kumimoji="1" lang="ja-JP" altLang="en-US"/>
               <a:t>レベル</a:t>
             </a:r>
           </a:p>
           <a:p>
             <a:pPr lvl="3"/>
             <a:r>
-              <a:rPr kumimoji="1" lang="ja-JP" altLang="en-US" smtClean="0"/>
+              <a:rPr kumimoji="1" lang="ja-JP" altLang="en-US"/>
               <a:t>第 </a:t>
             </a:r>
             <a:r>
-              <a:rPr kumimoji="1" lang="en-US" altLang="ja-JP" smtClean="0"/>
+              <a:rPr kumimoji="1" lang="en-US" altLang="ja-JP"/>
               <a:t>4 </a:t>
             </a:r>
             <a:r>
-              <a:rPr kumimoji="1" lang="ja-JP" altLang="en-US" smtClean="0"/>
+              <a:rPr kumimoji="1" lang="ja-JP" altLang="en-US"/>
               <a:t>レベル</a:t>
             </a:r>
           </a:p>
           <a:p>
             <a:pPr lvl="4"/>
             <a:r>
-              <a:rPr kumimoji="1" lang="ja-JP" altLang="en-US" smtClean="0"/>
+              <a:rPr kumimoji="1" lang="ja-JP" altLang="en-US"/>
               <a:t>第 </a:t>
             </a:r>
             <a:r>
-              <a:rPr kumimoji="1" lang="en-US" altLang="ja-JP" smtClean="0"/>
+              <a:rPr kumimoji="1" lang="en-US" altLang="ja-JP"/>
               <a:t>5 </a:t>
             </a:r>
             <a:r>
-              <a:rPr kumimoji="1" lang="ja-JP" altLang="en-US" smtClean="0"/>
+              <a:rPr kumimoji="1" lang="ja-JP" altLang="en-US"/>
               <a:t>レベル</a:t>
             </a:r>
-            <a:endParaRPr kumimoji="1" lang="ja-JP" altLang="en-US"/>
           </a:p>
         </p:txBody>
       </p:sp>
@@ -2911,7 +2908,7 @@
           <a:p>
             <a:pPr lvl="0"/>
             <a:r>
-              <a:rPr kumimoji="1" lang="ja-JP" altLang="en-US" smtClean="0"/>
+              <a:rPr kumimoji="1" lang="ja-JP" altLang="en-US"/>
               <a:t>マスタ テキストの書式設定</a:t>
             </a:r>
           </a:p>
@@ -2934,7 +2931,7 @@
           <a:p>
             <a:fld id="{E90ED720-0104-4369-84BC-D37694168613}" type="datetimeFigureOut">
               <a:rPr kumimoji="1" lang="ja-JP" altLang="en-US" smtClean="0"/>
-              <a:t>2016/6/30</a:t>
+              <a:t>2021/2/9</a:t>
             </a:fld>
             <a:endParaRPr kumimoji="1" lang="ja-JP" altLang="en-US" dirty="0"/>
           </a:p>
@@ -3032,10 +3029,9 @@
           </a:lstStyle>
           <a:p>
             <a:r>
-              <a:rPr kumimoji="1" lang="ja-JP" altLang="en-US" smtClean="0"/>
+              <a:rPr kumimoji="1" lang="ja-JP" altLang="en-US"/>
               <a:t>マスタ タイトルの書式設定</a:t>
             </a:r>
-            <a:endParaRPr kumimoji="1" lang="ja-JP" altLang="en-US"/>
           </a:p>
         </p:txBody>
       </p:sp>
@@ -3159,7 +3155,7 @@
           <a:p>
             <a:pPr lvl="0"/>
             <a:r>
-              <a:rPr kumimoji="1" lang="ja-JP" altLang="en-US" smtClean="0"/>
+              <a:rPr kumimoji="1" lang="ja-JP" altLang="en-US"/>
               <a:t>マスタ テキストの書式設定</a:t>
             </a:r>
           </a:p>
@@ -3182,7 +3178,7 @@
           <a:p>
             <a:fld id="{E90ED720-0104-4369-84BC-D37694168613}" type="datetimeFigureOut">
               <a:rPr kumimoji="1" lang="ja-JP" altLang="en-US" smtClean="0"/>
-              <a:t>2016/6/30</a:t>
+              <a:t>2021/2/9</a:t>
             </a:fld>
             <a:endParaRPr kumimoji="1" lang="ja-JP" altLang="en-US" dirty="0"/>
           </a:p>
@@ -3286,10 +3282,9 @@
           <a:lstStyle/>
           <a:p>
             <a:r>
-              <a:rPr kumimoji="1" lang="ja-JP" altLang="en-US" smtClean="0"/>
+              <a:rPr kumimoji="1" lang="ja-JP" altLang="en-US"/>
               <a:t>マスタ タイトルの書式設定</a:t>
             </a:r>
-            <a:endParaRPr kumimoji="1" lang="ja-JP" altLang="en-US"/>
           </a:p>
         </p:txBody>
       </p:sp>
@@ -3320,70 +3315,69 @@
           <a:p>
             <a:pPr lvl="0"/>
             <a:r>
-              <a:rPr kumimoji="1" lang="ja-JP" altLang="en-US" smtClean="0"/>
+              <a:rPr kumimoji="1" lang="ja-JP" altLang="en-US"/>
               <a:t>マスタ テキストの書式設定</a:t>
             </a:r>
           </a:p>
           <a:p>
             <a:pPr lvl="1"/>
             <a:r>
-              <a:rPr kumimoji="1" lang="ja-JP" altLang="en-US" smtClean="0"/>
+              <a:rPr kumimoji="1" lang="ja-JP" altLang="en-US"/>
               <a:t>第 </a:t>
             </a:r>
             <a:r>
-              <a:rPr kumimoji="1" lang="en-US" altLang="ja-JP" smtClean="0"/>
+              <a:rPr kumimoji="1" lang="en-US" altLang="ja-JP"/>
               <a:t>2 </a:t>
             </a:r>
             <a:r>
-              <a:rPr kumimoji="1" lang="ja-JP" altLang="en-US" smtClean="0"/>
+              <a:rPr kumimoji="1" lang="ja-JP" altLang="en-US"/>
               <a:t>レベル</a:t>
             </a:r>
           </a:p>
           <a:p>
             <a:pPr lvl="2"/>
             <a:r>
-              <a:rPr kumimoji="1" lang="ja-JP" altLang="en-US" smtClean="0"/>
+              <a:rPr kumimoji="1" lang="ja-JP" altLang="en-US"/>
               <a:t>第 </a:t>
             </a:r>
             <a:r>
-              <a:rPr kumimoji="1" lang="en-US" altLang="ja-JP" smtClean="0"/>
+              <a:rPr kumimoji="1" lang="en-US" altLang="ja-JP"/>
               <a:t>3 </a:t>
             </a:r>
             <a:r>
-              <a:rPr kumimoji="1" lang="ja-JP" altLang="en-US" smtClean="0"/>
+              <a:rPr kumimoji="1" lang="ja-JP" altLang="en-US"/>
               <a:t>レベル</a:t>
             </a:r>
           </a:p>
           <a:p>
             <a:pPr lvl="3"/>
             <a:r>
-              <a:rPr kumimoji="1" lang="ja-JP" altLang="en-US" smtClean="0"/>
+              <a:rPr kumimoji="1" lang="ja-JP" altLang="en-US"/>
               <a:t>第 </a:t>
             </a:r>
             <a:r>
-              <a:rPr kumimoji="1" lang="en-US" altLang="ja-JP" smtClean="0"/>
+              <a:rPr kumimoji="1" lang="en-US" altLang="ja-JP"/>
               <a:t>4 </a:t>
             </a:r>
             <a:r>
-              <a:rPr kumimoji="1" lang="ja-JP" altLang="en-US" smtClean="0"/>
+              <a:rPr kumimoji="1" lang="ja-JP" altLang="en-US"/>
               <a:t>レベル</a:t>
             </a:r>
           </a:p>
           <a:p>
             <a:pPr lvl="4"/>
             <a:r>
-              <a:rPr kumimoji="1" lang="ja-JP" altLang="en-US" smtClean="0"/>
+              <a:rPr kumimoji="1" lang="ja-JP" altLang="en-US"/>
               <a:t>第 </a:t>
             </a:r>
             <a:r>
-              <a:rPr kumimoji="1" lang="en-US" altLang="ja-JP" smtClean="0"/>
+              <a:rPr kumimoji="1" lang="en-US" altLang="ja-JP"/>
               <a:t>5 </a:t>
             </a:r>
             <a:r>
-              <a:rPr kumimoji="1" lang="ja-JP" altLang="en-US" smtClean="0"/>
+              <a:rPr kumimoji="1" lang="ja-JP" altLang="en-US"/>
               <a:t>レベル</a:t>
             </a:r>
-            <a:endParaRPr kumimoji="1" lang="ja-JP" altLang="en-US"/>
           </a:p>
         </p:txBody>
       </p:sp>
@@ -3422,7 +3416,7 @@
           <a:p>
             <a:fld id="{E90ED720-0104-4369-84BC-D37694168613}" type="datetimeFigureOut">
               <a:rPr kumimoji="1" lang="ja-JP" altLang="en-US" smtClean="0"/>
-              <a:t>2016/6/30</a:t>
+              <a:t>2021/2/9</a:t>
             </a:fld>
             <a:endParaRPr kumimoji="1" lang="ja-JP" altLang="en-US" dirty="0"/>
           </a:p>
@@ -3851,7 +3845,7 @@
             <a:lstStyle/>
             <a:p>
               <a:r>
-                <a:rPr lang="en-US" altLang="ja-JP" sz="500" dirty="0" smtClean="0">
+                <a:rPr lang="en-US" altLang="ja-JP" sz="500" dirty="0">
                   <a:solidFill>
                     <a:schemeClr val="tx1"/>
                   </a:solidFill>
@@ -3862,7 +3856,7 @@
                 <a:t>PJ</a:t>
               </a:r>
               <a:r>
-                <a:rPr lang="ja-JP" altLang="en-US" sz="500" dirty="0" smtClean="0">
+                <a:rPr lang="ja-JP" altLang="en-US" sz="500" dirty="0">
                   <a:solidFill>
                     <a:schemeClr val="tx1"/>
                   </a:solidFill>
@@ -3873,7 +3867,7 @@
                 <a:t>成果物</a:t>
               </a:r>
               <a:r>
-                <a:rPr lang="en-US" altLang="ja-JP" sz="500" dirty="0" smtClean="0">
+                <a:rPr lang="en-US" altLang="ja-JP" sz="500" dirty="0">
                   <a:solidFill>
                     <a:schemeClr val="tx1"/>
                   </a:solidFill>
@@ -3884,7 +3878,7 @@
                 <a:t>(</a:t>
               </a:r>
               <a:r>
-                <a:rPr lang="en-US" altLang="ja-JP" sz="500" dirty="0" err="1" smtClean="0">
+                <a:rPr lang="en-US" altLang="ja-JP" sz="500" dirty="0" err="1">
                   <a:solidFill>
                     <a:schemeClr val="tx1"/>
                   </a:solidFill>
@@ -3895,7 +3889,7 @@
                 <a:t>p</a:t>
               </a:r>
               <a:r>
-                <a:rPr kumimoji="1" lang="en-US" altLang="ja-JP" sz="500" dirty="0" err="1" smtClean="0">
+                <a:rPr kumimoji="1" lang="en-US" altLang="ja-JP" sz="500" dirty="0" err="1">
                   <a:solidFill>
                     <a:schemeClr val="tx1"/>
                   </a:solidFill>
@@ -3906,7 +3900,7 @@
                 <a:t>j</a:t>
               </a:r>
               <a:r>
-                <a:rPr kumimoji="1" lang="en-US" altLang="ja-JP" sz="500" smtClean="0">
+                <a:rPr kumimoji="1" lang="en-US" altLang="ja-JP" sz="500">
                   <a:solidFill>
                     <a:schemeClr val="tx1"/>
                   </a:solidFill>
@@ -3916,7 +3910,7 @@
                 </a:rPr>
                 <a:t>-web)</a:t>
               </a:r>
-              <a:endParaRPr kumimoji="1" lang="en-US" altLang="ja-JP" sz="500" dirty="0" smtClean="0">
+              <a:endParaRPr kumimoji="1" lang="en-US" altLang="ja-JP" sz="500" dirty="0">
                 <a:solidFill>
                   <a:schemeClr val="tx1"/>
                 </a:solidFill>
@@ -3993,7 +3987,7 @@
             <a:p>
               <a:pPr algn="ctr"/>
               <a:r>
-                <a:rPr lang="ja-JP" altLang="en-US" sz="400" dirty="0" smtClean="0">
+                <a:rPr lang="ja-JP" altLang="en-US" sz="400" dirty="0">
                   <a:solidFill>
                     <a:schemeClr val="tx1"/>
                   </a:solidFill>
@@ -4004,7 +3998,7 @@
                 <a:t>ファイル</a:t>
               </a:r>
               <a:r>
-                <a:rPr lang="en-US" altLang="ja-JP" sz="400" dirty="0" smtClean="0">
+                <a:rPr lang="en-US" altLang="ja-JP" sz="400" dirty="0">
                   <a:solidFill>
                     <a:schemeClr val="tx1"/>
                   </a:solidFill>
@@ -4012,29 +4006,7 @@
                   <a:ea typeface="メイリオ" panose="020B0604030504040204" pitchFamily="50" charset="-128"/>
                   <a:cs typeface="メイリオ" panose="020B0604030504040204" pitchFamily="50" charset="-128"/>
                 </a:rPr>
-                <a:t>(</a:t>
-              </a:r>
-              <a:r>
-                <a:rPr lang="en-US" altLang="ja-JP" sz="400" dirty="0" err="1" smtClean="0">
-                  <a:solidFill>
-                    <a:schemeClr val="tx1"/>
-                  </a:solidFill>
-                  <a:latin typeface="メイリオ" panose="020B0604030504040204" pitchFamily="50" charset="-128"/>
-                  <a:ea typeface="メイリオ" panose="020B0604030504040204" pitchFamily="50" charset="-128"/>
-                  <a:cs typeface="メイリオ" panose="020B0604030504040204" pitchFamily="50" charset="-128"/>
-                </a:rPr>
-                <a:t>config</a:t>
-              </a:r>
-              <a:r>
-                <a:rPr lang="en-US" altLang="ja-JP" sz="400" dirty="0" smtClean="0">
-                  <a:solidFill>
-                    <a:schemeClr val="tx1"/>
-                  </a:solidFill>
-                  <a:latin typeface="メイリオ" panose="020B0604030504040204" pitchFamily="50" charset="-128"/>
-                  <a:ea typeface="メイリオ" panose="020B0604030504040204" pitchFamily="50" charset="-128"/>
-                  <a:cs typeface="メイリオ" panose="020B0604030504040204" pitchFamily="50" charset="-128"/>
-                </a:rPr>
-                <a:t>)</a:t>
+                <a:t>(properties)</a:t>
               </a:r>
               <a:endParaRPr lang="ja-JP" altLang="en-US" sz="400" dirty="0">
                 <a:solidFill>
@@ -4099,7 +4071,7 @@
             <a:lstStyle/>
             <a:p>
               <a:r>
-                <a:rPr lang="ja-JP" altLang="en-US" sz="500" dirty="0" smtClean="0">
+                <a:rPr lang="ja-JP" altLang="en-US" sz="500" dirty="0">
                   <a:solidFill>
                     <a:schemeClr val="tx1"/>
                   </a:solidFill>
@@ -4110,7 +4082,7 @@
                 <a:t>デフォルトコンフィグレーション（</a:t>
               </a:r>
               <a:r>
-                <a:rPr lang="en-US" altLang="ja-JP" sz="500" dirty="0" smtClean="0">
+                <a:rPr lang="en-US" altLang="ja-JP" sz="500" dirty="0">
                   <a:solidFill>
                     <a:schemeClr val="tx1"/>
                   </a:solidFill>
@@ -4175,7 +4147,7 @@
             <a:p>
               <a:pPr algn="ctr"/>
               <a:r>
-                <a:rPr lang="ja-JP" altLang="en-US" sz="400" dirty="0" smtClean="0">
+                <a:rPr lang="ja-JP" altLang="en-US" sz="400" dirty="0">
                   <a:solidFill>
                     <a:schemeClr val="tx1"/>
                   </a:solidFill>
@@ -4183,32 +4155,10 @@
                   <a:ea typeface="メイリオ" panose="020B0604030504040204" pitchFamily="50" charset="-128"/>
                   <a:cs typeface="メイリオ" panose="020B0604030504040204" pitchFamily="50" charset="-128"/>
                 </a:rPr>
-                <a:t>コンポーネント</a:t>
-              </a:r>
-              <a:r>
-                <a:rPr lang="ja-JP" altLang="en-US" sz="400" dirty="0">
-                  <a:solidFill>
-                    <a:schemeClr val="tx1"/>
-                  </a:solidFill>
-                  <a:latin typeface="メイリオ" panose="020B0604030504040204" pitchFamily="50" charset="-128"/>
-                  <a:ea typeface="メイリオ" panose="020B0604030504040204" pitchFamily="50" charset="-128"/>
-                  <a:cs typeface="メイリオ" panose="020B0604030504040204" pitchFamily="50" charset="-128"/>
-                </a:rPr>
-                <a:t>定義</a:t>
-              </a:r>
-              <a:r>
-                <a:rPr lang="ja-JP" altLang="en-US" sz="400" dirty="0" smtClean="0">
-                  <a:solidFill>
-                    <a:schemeClr val="tx1"/>
-                  </a:solidFill>
-                  <a:latin typeface="メイリオ" panose="020B0604030504040204" pitchFamily="50" charset="-128"/>
-                  <a:ea typeface="メイリオ" panose="020B0604030504040204" pitchFamily="50" charset="-128"/>
-                  <a:cs typeface="メイリオ" panose="020B0604030504040204" pitchFamily="50" charset="-128"/>
-                </a:rPr>
-                <a:t>ファイル</a:t>
-              </a:r>
-              <a:r>
-                <a:rPr lang="en-US" altLang="ja-JP" sz="400" dirty="0" smtClean="0">
+                <a:t>コンポーネント定義ファイル</a:t>
+              </a:r>
+              <a:r>
+                <a:rPr lang="en-US" altLang="ja-JP" sz="400" dirty="0">
                   <a:solidFill>
                     <a:schemeClr val="tx1"/>
                   </a:solidFill>
@@ -4252,7 +4202,7 @@
             <a:lstStyle/>
             <a:p>
               <a:r>
-                <a:rPr kumimoji="1" lang="en-US" altLang="ja-JP" sz="400" dirty="0" smtClean="0">
+                <a:rPr kumimoji="1" lang="en-US" altLang="ja-JP" sz="400" dirty="0">
                   <a:latin typeface="メイリオ" panose="020B0604030504040204" pitchFamily="50" charset="-128"/>
                   <a:ea typeface="メイリオ" panose="020B0604030504040204" pitchFamily="50" charset="-128"/>
                   <a:cs typeface="メイリオ" panose="020B0604030504040204" pitchFamily="50" charset="-128"/>
@@ -4319,21 +4269,10 @@
                   <a:ea typeface="メイリオ" panose="020B0604030504040204" pitchFamily="50" charset="-128"/>
                   <a:cs typeface="メイリオ" panose="020B0604030504040204" pitchFamily="50" charset="-128"/>
                 </a:rPr>
-                <a:t>コンポーネント定義</a:t>
-              </a:r>
-              <a:r>
-                <a:rPr lang="ja-JP" altLang="en-US" sz="400" dirty="0" smtClean="0">
-                  <a:solidFill>
-                    <a:schemeClr val="tx1"/>
-                  </a:solidFill>
-                  <a:latin typeface="メイリオ" panose="020B0604030504040204" pitchFamily="50" charset="-128"/>
-                  <a:ea typeface="メイリオ" panose="020B0604030504040204" pitchFamily="50" charset="-128"/>
-                  <a:cs typeface="メイリオ" panose="020B0604030504040204" pitchFamily="50" charset="-128"/>
-                </a:rPr>
-                <a:t>ファイル</a:t>
-              </a:r>
-              <a:r>
-                <a:rPr lang="en-US" altLang="ja-JP" sz="400" dirty="0" smtClean="0">
+                <a:t>コンポーネント定義ファイル</a:t>
+              </a:r>
+              <a:r>
+                <a:rPr lang="en-US" altLang="ja-JP" sz="400" dirty="0">
                   <a:solidFill>
                     <a:schemeClr val="tx1"/>
                   </a:solidFill>
@@ -4398,7 +4337,7 @@
             <a:p>
               <a:pPr algn="ctr"/>
               <a:r>
-                <a:rPr lang="ja-JP" altLang="en-US" sz="400" dirty="0" smtClean="0">
+                <a:rPr lang="ja-JP" altLang="en-US" sz="400" dirty="0">
                   <a:solidFill>
                     <a:schemeClr val="tx1"/>
                   </a:solidFill>
@@ -4409,7 +4348,7 @@
                 <a:t>環境設定ファイル</a:t>
               </a:r>
               <a:r>
-                <a:rPr lang="en-US" altLang="ja-JP" sz="400" dirty="0" smtClean="0">
+                <a:rPr lang="en-US" altLang="ja-JP" sz="400" dirty="0">
                   <a:solidFill>
                     <a:schemeClr val="tx1"/>
                   </a:solidFill>
@@ -4417,29 +4356,7 @@
                   <a:ea typeface="メイリオ" panose="020B0604030504040204" pitchFamily="50" charset="-128"/>
                   <a:cs typeface="メイリオ" panose="020B0604030504040204" pitchFamily="50" charset="-128"/>
                 </a:rPr>
-                <a:t>(</a:t>
-              </a:r>
-              <a:r>
-                <a:rPr lang="en-US" altLang="ja-JP" sz="400" dirty="0" err="1" smtClean="0">
-                  <a:solidFill>
-                    <a:schemeClr val="tx1"/>
-                  </a:solidFill>
-                  <a:latin typeface="メイリオ" panose="020B0604030504040204" pitchFamily="50" charset="-128"/>
-                  <a:ea typeface="メイリオ" panose="020B0604030504040204" pitchFamily="50" charset="-128"/>
-                  <a:cs typeface="メイリオ" panose="020B0604030504040204" pitchFamily="50" charset="-128"/>
-                </a:rPr>
-                <a:t>config</a:t>
-              </a:r>
-              <a:r>
-                <a:rPr lang="en-US" altLang="ja-JP" sz="400" dirty="0" smtClean="0">
-                  <a:solidFill>
-                    <a:schemeClr val="tx1"/>
-                  </a:solidFill>
-                  <a:latin typeface="メイリオ" panose="020B0604030504040204" pitchFamily="50" charset="-128"/>
-                  <a:ea typeface="メイリオ" panose="020B0604030504040204" pitchFamily="50" charset="-128"/>
-                  <a:cs typeface="メイリオ" panose="020B0604030504040204" pitchFamily="50" charset="-128"/>
-                </a:rPr>
-                <a:t>)</a:t>
+                <a:t>(properties)</a:t>
               </a:r>
               <a:endParaRPr lang="ja-JP" altLang="en-US" sz="400" dirty="0">
                 <a:solidFill>
@@ -4475,7 +4392,7 @@
             <a:lstStyle/>
             <a:p>
               <a:r>
-                <a:rPr lang="en-US" altLang="ja-JP" sz="400" dirty="0" smtClean="0">
+                <a:rPr lang="en-US" altLang="ja-JP" sz="400" dirty="0">
                   <a:latin typeface="メイリオ" panose="020B0604030504040204" pitchFamily="50" charset="-128"/>
                   <a:ea typeface="メイリオ" panose="020B0604030504040204" pitchFamily="50" charset="-128"/>
                   <a:cs typeface="メイリオ" panose="020B0604030504040204" pitchFamily="50" charset="-128"/>
@@ -4698,17 +4615,6 @@
                 <a:defRPr sz="1000"/>
               </a:pPr>
               <a:r>
-                <a:rPr lang="en-US" altLang="ja-JP" sz="400" dirty="0" smtClean="0">
-                  <a:solidFill>
-                    <a:srgbClr val="000000"/>
-                  </a:solidFill>
-                  <a:latin typeface="メイリオ" panose="020B0604030504040204" pitchFamily="50" charset="-128"/>
-                  <a:ea typeface="メイリオ" panose="020B0604030504040204" pitchFamily="50" charset="-128"/>
-                  <a:cs typeface="メイリオ" panose="020B0604030504040204" pitchFamily="50" charset="-128"/>
-                </a:rPr>
-                <a:t>   </a:t>
-              </a:r>
-              <a:r>
                 <a:rPr lang="en-US" altLang="ja-JP" sz="400" dirty="0">
                   <a:solidFill>
                     <a:srgbClr val="000000"/>
@@ -4717,7 +4623,7 @@
                   <a:ea typeface="メイリオ" panose="020B0604030504040204" pitchFamily="50" charset="-128"/>
                   <a:cs typeface="メイリオ" panose="020B0604030504040204" pitchFamily="50" charset="-128"/>
                 </a:rPr>
-                <a:t>&lt;!-- </a:t>
+                <a:t>   &lt;!-- </a:t>
               </a:r>
               <a:r>
                 <a:rPr lang="ja-JP" altLang="en-US" sz="400" dirty="0">
@@ -4731,7 +4637,7 @@
                 <a:t>環境設定ファイル </a:t>
               </a:r>
               <a:r>
-                <a:rPr lang="en-US" altLang="ja-JP" sz="400" dirty="0" smtClean="0">
+                <a:rPr lang="en-US" altLang="ja-JP" sz="400" dirty="0">
                   <a:solidFill>
                     <a:srgbClr val="000000"/>
                   </a:solidFill>
@@ -4750,7 +4656,7 @@
                 <a:defRPr sz="1000"/>
               </a:pPr>
               <a:r>
-                <a:rPr lang="en-US" altLang="ja-JP" sz="400" dirty="0" smtClean="0">
+                <a:rPr lang="en-US" altLang="ja-JP" sz="400" dirty="0">
                   <a:solidFill>
                     <a:srgbClr val="000000"/>
                   </a:solidFill>
@@ -4835,7 +4741,7 @@
                 <a:defRPr sz="1000"/>
               </a:pPr>
               <a:r>
-                <a:rPr lang="ja-JP" altLang="en-US" sz="400" dirty="0" smtClean="0">
+                <a:rPr lang="ja-JP" altLang="en-US" sz="400" dirty="0">
                   <a:solidFill>
                     <a:srgbClr val="000000"/>
                   </a:solidFill>
@@ -4846,7 +4752,7 @@
                 <a:t>   </a:t>
               </a:r>
               <a:r>
-                <a:rPr lang="en-US" altLang="ja-JP" sz="400" dirty="0" smtClean="0">
+                <a:rPr lang="en-US" altLang="ja-JP" sz="400" dirty="0">
                   <a:solidFill>
                     <a:srgbClr val="000000"/>
                   </a:solidFill>
@@ -4980,7 +4886,7 @@
                 <a:t>        &lt;property name="</a:t>
               </a:r>
               <a:r>
-                <a:rPr lang="en-US" altLang="ja-JP" sz="400" dirty="0" err="1" smtClean="0">
+                <a:rPr lang="en-US" altLang="ja-JP" sz="400" dirty="0" err="1">
                   <a:solidFill>
                     <a:srgbClr val="000000"/>
                   </a:solidFill>
@@ -4991,7 +4897,7 @@
                 <a:t>tableName</a:t>
               </a:r>
               <a:r>
-                <a:rPr lang="en-US" altLang="ja-JP" sz="400" dirty="0" smtClean="0">
+                <a:rPr lang="en-US" altLang="ja-JP" sz="400" dirty="0">
                   <a:solidFill>
                     <a:srgbClr val="000000"/>
                   </a:solidFill>
@@ -5010,17 +4916,6 @@
                 <a:defRPr sz="1000"/>
               </a:pPr>
               <a:r>
-                <a:rPr lang="en-US" altLang="ja-JP" sz="400" dirty="0" smtClean="0">
-                  <a:solidFill>
-                    <a:srgbClr val="000000"/>
-                  </a:solidFill>
-                  <a:latin typeface="メイリオ" panose="020B0604030504040204" pitchFamily="50" charset="-128"/>
-                  <a:ea typeface="メイリオ" panose="020B0604030504040204" pitchFamily="50" charset="-128"/>
-                  <a:cs typeface="メイリオ" panose="020B0604030504040204" pitchFamily="50" charset="-128"/>
-                </a:rPr>
-                <a:t>          value</a:t>
-              </a:r>
-              <a:r>
                 <a:rPr lang="en-US" altLang="ja-JP" sz="400" dirty="0">
                   <a:solidFill>
                     <a:srgbClr val="000000"/>
@@ -5029,7 +4924,7 @@
                   <a:ea typeface="メイリオ" panose="020B0604030504040204" pitchFamily="50" charset="-128"/>
                   <a:cs typeface="メイリオ" panose="020B0604030504040204" pitchFamily="50" charset="-128"/>
                 </a:rPr>
-                <a:t>="</a:t>
+                <a:t>          value="</a:t>
               </a:r>
               <a:r>
                 <a:rPr lang="en-US" altLang="ja-JP" sz="400" dirty="0">
@@ -5266,7 +5161,7 @@
                 <a:defRPr sz="1000"/>
               </a:pPr>
               <a:r>
-                <a:rPr lang="ja-JP" altLang="en-US" sz="400" dirty="0" smtClean="0">
+                <a:rPr lang="ja-JP" altLang="en-US" sz="400" dirty="0">
                   <a:latin typeface="メイリオ" panose="020B0604030504040204" pitchFamily="50" charset="-128"/>
                   <a:ea typeface="メイリオ" panose="020B0604030504040204" pitchFamily="50" charset="-128"/>
                   <a:cs typeface="メイリオ" panose="020B0604030504040204" pitchFamily="50" charset="-128"/>
@@ -5274,7 +5169,7 @@
                 <a:t>プレースホルダー</a:t>
               </a:r>
               <a:r>
-                <a:rPr lang="en-US" altLang="ja-JP" sz="400" dirty="0" smtClean="0">
+                <a:rPr lang="en-US" altLang="ja-JP" sz="400" dirty="0">
                   <a:latin typeface="メイリオ" panose="020B0604030504040204" pitchFamily="50" charset="-128"/>
                   <a:ea typeface="メイリオ" panose="020B0604030504040204" pitchFamily="50" charset="-128"/>
                   <a:cs typeface="メイリオ" panose="020B0604030504040204" pitchFamily="50" charset="-128"/>
@@ -5282,23 +5177,15 @@
                 <a:t>(</a:t>
               </a:r>
               <a:r>
-                <a:rPr lang="ja-JP" altLang="en-US" sz="400" dirty="0" smtClean="0">
-                  <a:latin typeface="メイリオ" panose="020B0604030504040204" pitchFamily="50" charset="-128"/>
-                  <a:ea typeface="メイリオ" panose="020B0604030504040204" pitchFamily="50" charset="-128"/>
-                  <a:cs typeface="メイリオ" panose="020B0604030504040204" pitchFamily="50" charset="-128"/>
-                </a:rPr>
-                <a:t>環境設定ファイルで変更可能な</a:t>
-              </a:r>
-              <a:r>
-                <a:rPr lang="ja-JP" altLang="en-US" sz="400" dirty="0" smtClean="0">
-                  <a:latin typeface="メイリオ" panose="020B0604030504040204" pitchFamily="50" charset="-128"/>
-                  <a:ea typeface="メイリオ" panose="020B0604030504040204" pitchFamily="50" charset="-128"/>
-                  <a:cs typeface="メイリオ" panose="020B0604030504040204" pitchFamily="50" charset="-128"/>
-                </a:rPr>
-                <a:t>項</a:t>
-              </a:r>
-              <a:r>
-                <a:rPr lang="en-US" altLang="ja-JP" sz="400" dirty="0" smtClean="0">
+                <a:rPr lang="ja-JP" altLang="en-US" sz="400" dirty="0">
+                  <a:latin typeface="メイリオ" panose="020B0604030504040204" pitchFamily="50" charset="-128"/>
+                  <a:ea typeface="メイリオ" panose="020B0604030504040204" pitchFamily="50" charset="-128"/>
+                  <a:cs typeface="メイリオ" panose="020B0604030504040204" pitchFamily="50" charset="-128"/>
+                </a:rPr>
+                <a:t>環境設定ファイルで変更可能な項</a:t>
+              </a:r>
+              <a:r>
+                <a:rPr lang="en-US" altLang="ja-JP" sz="400" dirty="0">
                   <a:latin typeface="メイリオ" panose="020B0604030504040204" pitchFamily="50" charset="-128"/>
                   <a:ea typeface="メイリオ" panose="020B0604030504040204" pitchFamily="50" charset="-128"/>
                   <a:cs typeface="メイリオ" panose="020B0604030504040204" pitchFamily="50" charset="-128"/>
@@ -5577,14 +5464,6 @@
                 </a:rPr>
                 <a:t>CODE_NAME</a:t>
               </a:r>
-              <a:endParaRPr lang="en-US" altLang="ja-JP" sz="400" dirty="0" smtClean="0">
-                <a:solidFill>
-                  <a:srgbClr val="FF0000"/>
-                </a:solidFill>
-                <a:latin typeface="メイリオ" panose="020B0604030504040204" pitchFamily="50" charset="-128"/>
-                <a:ea typeface="メイリオ" panose="020B0604030504040204" pitchFamily="50" charset="-128"/>
-                <a:cs typeface="メイリオ" panose="020B0604030504040204" pitchFamily="50" charset="-128"/>
-              </a:endParaRPr>
             </a:p>
           </p:txBody>
         </p:sp>
@@ -5732,18 +5611,13 @@
                 <a:defRPr sz="1000"/>
               </a:pPr>
               <a:r>
-                <a:rPr lang="ja-JP" altLang="en-US" sz="400" dirty="0" smtClean="0">
+                <a:rPr lang="ja-JP" altLang="en-US" sz="400" dirty="0">
                   <a:latin typeface="メイリオ" panose="020B0604030504040204" pitchFamily="50" charset="-128"/>
                   <a:ea typeface="メイリオ" panose="020B0604030504040204" pitchFamily="50" charset="-128"/>
                   <a:cs typeface="メイリオ" panose="020B0604030504040204" pitchFamily="50" charset="-128"/>
                 </a:rPr>
                 <a:t>プレースホルダーの設定値</a:t>
               </a:r>
-              <a:endParaRPr lang="ja-JP" altLang="en-US" sz="400" dirty="0">
-                <a:latin typeface="メイリオ" panose="020B0604030504040204" pitchFamily="50" charset="-128"/>
-                <a:ea typeface="メイリオ" panose="020B0604030504040204" pitchFamily="50" charset="-128"/>
-                <a:cs typeface="メイリオ" panose="020B0604030504040204" pitchFamily="50" charset="-128"/>
-              </a:endParaRPr>
             </a:p>
           </p:txBody>
         </p:sp>
@@ -5913,7 +5787,7 @@
             <a:lstStyle/>
             <a:p>
               <a:r>
-                <a:rPr kumimoji="1" lang="en-US" altLang="ja-JP" sz="400" dirty="0" smtClean="0">
+                <a:rPr kumimoji="1" lang="en-US" altLang="ja-JP" sz="400" dirty="0">
                   <a:latin typeface="メイリオ" panose="020B0604030504040204" pitchFamily="50" charset="-128"/>
                   <a:ea typeface="メイリオ" panose="020B0604030504040204" pitchFamily="50" charset="-128"/>
                   <a:cs typeface="メイリオ" panose="020B0604030504040204" pitchFamily="50" charset="-128"/>
@@ -6136,7 +6010,7 @@
                 <a:defRPr sz="1000"/>
               </a:pPr>
               <a:r>
-                <a:rPr lang="en-US" altLang="ja-JP" sz="400" dirty="0" smtClean="0">
+                <a:rPr lang="en-US" altLang="ja-JP" sz="400" dirty="0">
                   <a:solidFill>
                     <a:srgbClr val="000000"/>
                   </a:solidFill>
@@ -6185,40 +6059,34 @@
                   <a:ea typeface="メイリオ" panose="020B0604030504040204" pitchFamily="50" charset="-128"/>
                   <a:cs typeface="メイリオ" panose="020B0604030504040204" pitchFamily="50" charset="-128"/>
                 </a:rPr>
-                <a:t>  &lt;</a:t>
-              </a:r>
-              <a:r>
-                <a:rPr lang="en-US" altLang="ja-JP" sz="400" dirty="0" err="1">
-                  <a:solidFill>
-                    <a:srgbClr val="000000"/>
-                  </a:solidFill>
-                  <a:latin typeface="メイリオ" panose="020B0604030504040204" pitchFamily="50" charset="-128"/>
-                  <a:ea typeface="メイリオ" panose="020B0604030504040204" pitchFamily="50" charset="-128"/>
-                  <a:cs typeface="メイリオ" panose="020B0604030504040204" pitchFamily="50" charset="-128"/>
-                </a:rPr>
-                <a:t>config</a:t>
+                <a:t>  &lt;config-file file="common.</a:t>
               </a:r>
               <a:r>
                 <a:rPr lang="en-US" altLang="ja-JP" sz="400" dirty="0">
-                  <a:solidFill>
-                    <a:srgbClr val="000000"/>
-                  </a:solidFill>
-                  <a:latin typeface="メイリオ" panose="020B0604030504040204" pitchFamily="50" charset="-128"/>
-                  <a:ea typeface="メイリオ" panose="020B0604030504040204" pitchFamily="50" charset="-128"/>
-                  <a:cs typeface="メイリオ" panose="020B0604030504040204" pitchFamily="50" charset="-128"/>
-                </a:rPr>
-                <a:t>-file file="</a:t>
-              </a:r>
-              <a:r>
-                <a:rPr lang="en-US" altLang="ja-JP" sz="400" dirty="0" err="1">
-                  <a:solidFill>
-                    <a:srgbClr val="000000"/>
-                  </a:solidFill>
-                  <a:latin typeface="メイリオ" panose="020B0604030504040204" pitchFamily="50" charset="-128"/>
-                  <a:ea typeface="メイリオ" panose="020B0604030504040204" pitchFamily="50" charset="-128"/>
-                  <a:cs typeface="メイリオ" panose="020B0604030504040204" pitchFamily="50" charset="-128"/>
-                </a:rPr>
-                <a:t>common.config</a:t>
+                  <a:latin typeface="メイリオ" panose="020B0604030504040204" pitchFamily="50" charset="-128"/>
+                  <a:ea typeface="メイリオ" panose="020B0604030504040204" pitchFamily="50" charset="-128"/>
+                  <a:cs typeface="メイリオ" panose="020B0604030504040204" pitchFamily="50" charset="-128"/>
+                </a:rPr>
+                <a:t> </a:t>
+              </a:r>
+              <a:r>
+                <a:rPr lang="en-US" altLang="ja-JP" sz="400">
+                  <a:latin typeface="メイリオ" panose="020B0604030504040204" pitchFamily="50" charset="-128"/>
+                  <a:ea typeface="メイリオ" panose="020B0604030504040204" pitchFamily="50" charset="-128"/>
+                  <a:cs typeface="メイリオ" panose="020B0604030504040204" pitchFamily="50" charset="-128"/>
+                </a:rPr>
+                <a:t>properties</a:t>
+              </a:r>
+              <a:r>
+                <a:rPr lang="en-US" altLang="ja-JP" sz="400">
+                  <a:solidFill>
+                    <a:srgbClr val="000000"/>
+                  </a:solidFill>
+                  <a:latin typeface="メイリオ" panose="020B0604030504040204" pitchFamily="50" charset="-128"/>
+                  <a:ea typeface="メイリオ" panose="020B0604030504040204" pitchFamily="50" charset="-128"/>
+                  <a:cs typeface="メイリオ" panose="020B0604030504040204" pitchFamily="50" charset="-128"/>
+                </a:rPr>
+                <a:t>" </a:t>
               </a:r>
               <a:r>
                 <a:rPr lang="en-US" altLang="ja-JP" sz="400" dirty="0">
@@ -6229,7 +6097,7 @@
                   <a:ea typeface="メイリオ" panose="020B0604030504040204" pitchFamily="50" charset="-128"/>
                   <a:cs typeface="メイリオ" panose="020B0604030504040204" pitchFamily="50" charset="-128"/>
                 </a:rPr>
-                <a:t>" /&gt;</a:t>
+                <a:t>/&gt;</a:t>
               </a:r>
             </a:p>
             <a:p>
@@ -6248,40 +6116,15 @@
                   <a:ea typeface="メイリオ" panose="020B0604030504040204" pitchFamily="50" charset="-128"/>
                   <a:cs typeface="メイリオ" panose="020B0604030504040204" pitchFamily="50" charset="-128"/>
                 </a:rPr>
-                <a:t>  &lt;</a:t>
-              </a:r>
-              <a:r>
-                <a:rPr lang="en-US" altLang="ja-JP" sz="400" dirty="0" err="1">
-                  <a:solidFill>
-                    <a:srgbClr val="000000"/>
-                  </a:solidFill>
-                  <a:latin typeface="メイリオ" panose="020B0604030504040204" pitchFamily="50" charset="-128"/>
-                  <a:ea typeface="メイリオ" panose="020B0604030504040204" pitchFamily="50" charset="-128"/>
-                  <a:cs typeface="メイリオ" panose="020B0604030504040204" pitchFamily="50" charset="-128"/>
-                </a:rPr>
-                <a:t>config</a:t>
+                <a:t>  &lt;config-file file="env.</a:t>
               </a:r>
               <a:r>
                 <a:rPr lang="en-US" altLang="ja-JP" sz="400" dirty="0">
-                  <a:solidFill>
-                    <a:srgbClr val="000000"/>
-                  </a:solidFill>
-                  <a:latin typeface="メイリオ" panose="020B0604030504040204" pitchFamily="50" charset="-128"/>
-                  <a:ea typeface="メイリオ" panose="020B0604030504040204" pitchFamily="50" charset="-128"/>
-                  <a:cs typeface="メイリオ" panose="020B0604030504040204" pitchFamily="50" charset="-128"/>
-                </a:rPr>
-                <a:t>-file file="</a:t>
-              </a:r>
-              <a:r>
-                <a:rPr lang="en-US" altLang="ja-JP" sz="400" dirty="0" err="1">
-                  <a:solidFill>
-                    <a:srgbClr val="000000"/>
-                  </a:solidFill>
-                  <a:latin typeface="メイリオ" panose="020B0604030504040204" pitchFamily="50" charset="-128"/>
-                  <a:ea typeface="メイリオ" panose="020B0604030504040204" pitchFamily="50" charset="-128"/>
-                  <a:cs typeface="メイリオ" panose="020B0604030504040204" pitchFamily="50" charset="-128"/>
-                </a:rPr>
-                <a:t>env.config</a:t>
+                  <a:latin typeface="メイリオ" panose="020B0604030504040204" pitchFamily="50" charset="-128"/>
+                  <a:ea typeface="メイリオ" panose="020B0604030504040204" pitchFamily="50" charset="-128"/>
+                  <a:cs typeface="メイリオ" panose="020B0604030504040204" pitchFamily="50" charset="-128"/>
+                </a:rPr>
+                <a:t> properties</a:t>
               </a:r>
               <a:r>
                 <a:rPr lang="en-US" altLang="ja-JP" sz="400" dirty="0">
@@ -6292,18 +6135,7 @@
                   <a:ea typeface="メイリオ" panose="020B0604030504040204" pitchFamily="50" charset="-128"/>
                   <a:cs typeface="メイリオ" panose="020B0604030504040204" pitchFamily="50" charset="-128"/>
                 </a:rPr>
-                <a:t>" </a:t>
-              </a:r>
-              <a:r>
-                <a:rPr lang="en-US" altLang="ja-JP" sz="400" dirty="0" smtClean="0">
-                  <a:solidFill>
-                    <a:srgbClr val="000000"/>
-                  </a:solidFill>
-                  <a:latin typeface="メイリオ" panose="020B0604030504040204" pitchFamily="50" charset="-128"/>
-                  <a:ea typeface="メイリオ" panose="020B0604030504040204" pitchFamily="50" charset="-128"/>
-                  <a:cs typeface="メイリオ" panose="020B0604030504040204" pitchFamily="50" charset="-128"/>
-                </a:rPr>
-                <a:t>/&gt;</a:t>
+                <a:t>" /&gt;</a:t>
               </a:r>
             </a:p>
             <a:p>
@@ -6330,7 +6162,7 @@
                 <a:defRPr sz="1000"/>
               </a:pPr>
               <a:r>
-                <a:rPr lang="en-US" altLang="ja-JP" sz="400" dirty="0" smtClean="0">
+                <a:rPr lang="en-US" altLang="ja-JP" sz="400" dirty="0">
                   <a:solidFill>
                     <a:srgbClr val="000000"/>
                   </a:solidFill>
@@ -6341,7 +6173,7 @@
                 <a:t> </a:t>
               </a:r>
               <a:r>
-                <a:rPr lang="ja-JP" altLang="en-US" sz="400" dirty="0" smtClean="0">
+                <a:rPr lang="ja-JP" altLang="en-US" sz="400" dirty="0">
                   <a:solidFill>
                     <a:srgbClr val="000000"/>
                   </a:solidFill>
@@ -6352,7 +6184,7 @@
                 <a:t> </a:t>
               </a:r>
               <a:r>
-                <a:rPr lang="en-US" altLang="ja-JP" sz="400" dirty="0" smtClean="0">
+                <a:rPr lang="en-US" altLang="ja-JP" sz="400" dirty="0">
                   <a:solidFill>
                     <a:srgbClr val="000000"/>
                   </a:solidFill>
@@ -6363,7 +6195,7 @@
                 <a:t>&lt;!– </a:t>
               </a:r>
               <a:r>
-                <a:rPr lang="ja-JP" altLang="en-US" sz="400" dirty="0" smtClean="0">
+                <a:rPr lang="ja-JP" altLang="en-US" sz="400" dirty="0">
                   <a:solidFill>
                     <a:srgbClr val="000000"/>
                   </a:solidFill>
@@ -6374,7 +6206,7 @@
                 <a:t>デフォルトコンフィギュレーション中のファイル</a:t>
               </a:r>
               <a:r>
-                <a:rPr lang="en-US" altLang="ja-JP" sz="400" dirty="0" smtClean="0">
+                <a:rPr lang="en-US" altLang="ja-JP" sz="400" dirty="0">
                   <a:solidFill>
                     <a:srgbClr val="000000"/>
                   </a:solidFill>
@@ -6384,6 +6216,55 @@
                 </a:rPr>
                 <a:t>--&gt;</a:t>
               </a:r>
+            </a:p>
+            <a:p>
+              <a:pPr>
+                <a:lnSpc>
+                  <a:spcPts val="471"/>
+                </a:lnSpc>
+                <a:defRPr sz="1000"/>
+              </a:pPr>
+              <a:r>
+                <a:rPr lang="en-US" altLang="ja-JP" sz="400" dirty="0">
+                  <a:solidFill>
+                    <a:srgbClr val="000000"/>
+                  </a:solidFill>
+                  <a:latin typeface="メイリオ" panose="020B0604030504040204" pitchFamily="50" charset="-128"/>
+                  <a:ea typeface="メイリオ" panose="020B0604030504040204" pitchFamily="50" charset="-128"/>
+                  <a:cs typeface="メイリオ" panose="020B0604030504040204" pitchFamily="50" charset="-128"/>
+                </a:rPr>
+                <a:t>  &lt;import file="</a:t>
+              </a:r>
+              <a:r>
+                <a:rPr lang="en-US" altLang="ja-JP" sz="400" dirty="0" err="1">
+                  <a:solidFill>
+                    <a:srgbClr val="000000"/>
+                  </a:solidFill>
+                  <a:latin typeface="メイリオ" panose="020B0604030504040204" pitchFamily="50" charset="-128"/>
+                  <a:ea typeface="メイリオ" panose="020B0604030504040204" pitchFamily="50" charset="-128"/>
+                  <a:cs typeface="メイリオ" panose="020B0604030504040204" pitchFamily="50" charset="-128"/>
+                </a:rPr>
+                <a:t>nablarch</a:t>
+              </a:r>
+              <a:r>
+                <a:rPr lang="en-US" altLang="ja-JP" sz="400" dirty="0">
+                  <a:solidFill>
+                    <a:srgbClr val="000000"/>
+                  </a:solidFill>
+                  <a:latin typeface="メイリオ" panose="020B0604030504040204" pitchFamily="50" charset="-128"/>
+                  <a:ea typeface="メイリオ" panose="020B0604030504040204" pitchFamily="50" charset="-128"/>
+                  <a:cs typeface="メイリオ" panose="020B0604030504040204" pitchFamily="50" charset="-128"/>
+                </a:rPr>
+                <a:t>/common/code.xml"/&gt;</a:t>
+              </a:r>
+            </a:p>
+            <a:p>
+              <a:pPr>
+                <a:lnSpc>
+                  <a:spcPts val="471"/>
+                </a:lnSpc>
+                <a:defRPr sz="1000"/>
+              </a:pPr>
               <a:endParaRPr lang="en-US" altLang="ja-JP" sz="400" dirty="0">
                 <a:solidFill>
                   <a:srgbClr val="000000"/>
@@ -6401,6 +6282,17 @@
                 <a:defRPr sz="1000"/>
               </a:pPr>
               <a:r>
+                <a:rPr lang="ja-JP" altLang="en-US" sz="400" dirty="0">
+                  <a:solidFill>
+                    <a:srgbClr val="000000"/>
+                  </a:solidFill>
+                  <a:latin typeface="メイリオ" panose="020B0604030504040204" pitchFamily="50" charset="-128"/>
+                  <a:ea typeface="メイリオ" panose="020B0604030504040204" pitchFamily="50" charset="-128"/>
+                  <a:cs typeface="メイリオ" panose="020B0604030504040204" pitchFamily="50" charset="-128"/>
+                </a:rPr>
+                <a:t>  </a:t>
+              </a:r>
+              <a:r>
                 <a:rPr lang="en-US" altLang="ja-JP" sz="400" dirty="0">
                   <a:solidFill>
                     <a:srgbClr val="000000"/>
@@ -6409,18 +6301,18 @@
                   <a:ea typeface="メイリオ" panose="020B0604030504040204" pitchFamily="50" charset="-128"/>
                   <a:cs typeface="メイリオ" panose="020B0604030504040204" pitchFamily="50" charset="-128"/>
                 </a:rPr>
-                <a:t>  &lt;import file="</a:t>
-              </a:r>
-              <a:r>
-                <a:rPr lang="en-US" altLang="ja-JP" sz="400" dirty="0" err="1">
-                  <a:solidFill>
-                    <a:srgbClr val="000000"/>
-                  </a:solidFill>
-                  <a:latin typeface="メイリオ" panose="020B0604030504040204" pitchFamily="50" charset="-128"/>
-                  <a:ea typeface="メイリオ" panose="020B0604030504040204" pitchFamily="50" charset="-128"/>
-                  <a:cs typeface="メイリオ" panose="020B0604030504040204" pitchFamily="50" charset="-128"/>
-                </a:rPr>
-                <a:t>nablarch</a:t>
+                <a:t>&lt;!– </a:t>
+              </a:r>
+              <a:r>
+                <a:rPr lang="ja-JP" altLang="en-US" sz="400" dirty="0">
+                  <a:solidFill>
+                    <a:srgbClr val="000000"/>
+                  </a:solidFill>
+                  <a:latin typeface="メイリオ" panose="020B0604030504040204" pitchFamily="50" charset="-128"/>
+                  <a:ea typeface="メイリオ" panose="020B0604030504040204" pitchFamily="50" charset="-128"/>
+                  <a:cs typeface="メイリオ" panose="020B0604030504040204" pitchFamily="50" charset="-128"/>
+                </a:rPr>
+                <a:t>ハンドラキュー定義</a:t>
               </a:r>
               <a:r>
                 <a:rPr lang="en-US" altLang="ja-JP" sz="400" dirty="0">
@@ -6431,18 +6323,7 @@
                   <a:ea typeface="メイリオ" panose="020B0604030504040204" pitchFamily="50" charset="-128"/>
                   <a:cs typeface="メイリオ" panose="020B0604030504040204" pitchFamily="50" charset="-128"/>
                 </a:rPr>
-                <a:t>/common/code.xml</a:t>
-              </a:r>
-              <a:r>
-                <a:rPr lang="en-US" altLang="ja-JP" sz="400" dirty="0" smtClean="0">
-                  <a:solidFill>
-                    <a:srgbClr val="000000"/>
-                  </a:solidFill>
-                  <a:latin typeface="メイリオ" panose="020B0604030504040204" pitchFamily="50" charset="-128"/>
-                  <a:ea typeface="メイリオ" panose="020B0604030504040204" pitchFamily="50" charset="-128"/>
-                  <a:cs typeface="メイリオ" panose="020B0604030504040204" pitchFamily="50" charset="-128"/>
-                </a:rPr>
-                <a:t>"/&gt;</a:t>
+                <a:t>--&gt;</a:t>
               </a:r>
             </a:p>
             <a:p>
@@ -6452,14 +6333,39 @@
                 </a:lnSpc>
                 <a:defRPr sz="1000"/>
               </a:pPr>
-              <a:endParaRPr lang="en-US" altLang="ja-JP" sz="400" dirty="0" smtClean="0">
-                <a:solidFill>
-                  <a:srgbClr val="000000"/>
-                </a:solidFill>
-                <a:latin typeface="メイリオ" panose="020B0604030504040204" pitchFamily="50" charset="-128"/>
-                <a:ea typeface="メイリオ" panose="020B0604030504040204" pitchFamily="50" charset="-128"/>
-                <a:cs typeface="メイリオ" panose="020B0604030504040204" pitchFamily="50" charset="-128"/>
-              </a:endParaRPr>
+              <a:r>
+                <a:rPr lang="en-US" altLang="ja-JP" sz="400" dirty="0">
+                  <a:solidFill>
+                    <a:srgbClr val="000000"/>
+                  </a:solidFill>
+                  <a:latin typeface="メイリオ" panose="020B0604030504040204" pitchFamily="50" charset="-128"/>
+                  <a:ea typeface="メイリオ" panose="020B0604030504040204" pitchFamily="50" charset="-128"/>
+                  <a:cs typeface="メイリオ" panose="020B0604030504040204" pitchFamily="50" charset="-128"/>
+                </a:rPr>
+                <a:t>  &lt;component name="</a:t>
+              </a:r>
+              <a:r>
+                <a:rPr lang="en-US" altLang="ja-JP" sz="400" dirty="0" err="1">
+                  <a:solidFill>
+                    <a:srgbClr val="000000"/>
+                  </a:solidFill>
+                  <a:latin typeface="メイリオ" panose="020B0604030504040204" pitchFamily="50" charset="-128"/>
+                  <a:ea typeface="メイリオ" panose="020B0604030504040204" pitchFamily="50" charset="-128"/>
+                  <a:cs typeface="メイリオ" panose="020B0604030504040204" pitchFamily="50" charset="-128"/>
+                </a:rPr>
+                <a:t>webFrontController</a:t>
+              </a:r>
+              <a:r>
+                <a:rPr lang="en-US" altLang="ja-JP" sz="400" dirty="0">
+                  <a:solidFill>
+                    <a:srgbClr val="000000"/>
+                  </a:solidFill>
+                  <a:latin typeface="メイリオ" panose="020B0604030504040204" pitchFamily="50" charset="-128"/>
+                  <a:ea typeface="メイリオ" panose="020B0604030504040204" pitchFamily="50" charset="-128"/>
+                  <a:cs typeface="メイリオ" panose="020B0604030504040204" pitchFamily="50" charset="-128"/>
+                </a:rPr>
+                <a:t>"</a:t>
+              </a:r>
             </a:p>
             <a:p>
               <a:pPr>
@@ -6469,59 +6375,37 @@
                 <a:defRPr sz="1000"/>
               </a:pPr>
               <a:r>
-                <a:rPr lang="ja-JP" altLang="en-US" sz="400" dirty="0">
-                  <a:solidFill>
-                    <a:srgbClr val="000000"/>
-                  </a:solidFill>
-                  <a:latin typeface="メイリオ" panose="020B0604030504040204" pitchFamily="50" charset="-128"/>
-                  <a:ea typeface="メイリオ" panose="020B0604030504040204" pitchFamily="50" charset="-128"/>
-                  <a:cs typeface="メイリオ" panose="020B0604030504040204" pitchFamily="50" charset="-128"/>
-                </a:rPr>
-                <a:t> </a:t>
-              </a:r>
-              <a:r>
-                <a:rPr lang="ja-JP" altLang="en-US" sz="400" dirty="0" smtClean="0">
-                  <a:solidFill>
-                    <a:srgbClr val="000000"/>
-                  </a:solidFill>
-                  <a:latin typeface="メイリオ" panose="020B0604030504040204" pitchFamily="50" charset="-128"/>
-                  <a:ea typeface="メイリオ" panose="020B0604030504040204" pitchFamily="50" charset="-128"/>
-                  <a:cs typeface="メイリオ" panose="020B0604030504040204" pitchFamily="50" charset="-128"/>
-                </a:rPr>
-                <a:t> </a:t>
-              </a:r>
-              <a:r>
-                <a:rPr lang="en-US" altLang="ja-JP" sz="400" dirty="0" smtClean="0">
-                  <a:solidFill>
-                    <a:srgbClr val="000000"/>
-                  </a:solidFill>
-                  <a:latin typeface="メイリオ" panose="020B0604030504040204" pitchFamily="50" charset="-128"/>
-                  <a:ea typeface="メイリオ" panose="020B0604030504040204" pitchFamily="50" charset="-128"/>
-                  <a:cs typeface="メイリオ" panose="020B0604030504040204" pitchFamily="50" charset="-128"/>
-                </a:rPr>
-                <a:t>&lt;!– </a:t>
-              </a:r>
-              <a:r>
-                <a:rPr lang="ja-JP" altLang="en-US" sz="400" dirty="0" smtClean="0">
-                  <a:solidFill>
-                    <a:srgbClr val="000000"/>
-                  </a:solidFill>
-                  <a:latin typeface="メイリオ" panose="020B0604030504040204" pitchFamily="50" charset="-128"/>
-                  <a:ea typeface="メイリオ" panose="020B0604030504040204" pitchFamily="50" charset="-128"/>
-                  <a:cs typeface="メイリオ" panose="020B0604030504040204" pitchFamily="50" charset="-128"/>
-                </a:rPr>
-                <a:t>ハンドラキュー定義</a:t>
-              </a:r>
-              <a:r>
-                <a:rPr lang="en-US" altLang="ja-JP" sz="400" dirty="0" smtClean="0">
-                  <a:solidFill>
-                    <a:srgbClr val="000000"/>
-                  </a:solidFill>
-                  <a:latin typeface="メイリオ" panose="020B0604030504040204" pitchFamily="50" charset="-128"/>
-                  <a:ea typeface="メイリオ" panose="020B0604030504040204" pitchFamily="50" charset="-128"/>
-                  <a:cs typeface="メイリオ" panose="020B0604030504040204" pitchFamily="50" charset="-128"/>
-                </a:rPr>
-                <a:t>--&gt;</a:t>
+                <a:rPr lang="en-US" altLang="ja-JP" sz="400" dirty="0">
+                  <a:solidFill>
+                    <a:srgbClr val="000000"/>
+                  </a:solidFill>
+                  <a:latin typeface="メイリオ" panose="020B0604030504040204" pitchFamily="50" charset="-128"/>
+                  <a:ea typeface="メイリオ" panose="020B0604030504040204" pitchFamily="50" charset="-128"/>
+                  <a:cs typeface="メイリオ" panose="020B0604030504040204" pitchFamily="50" charset="-128"/>
+                </a:rPr>
+                <a:t>             class="</a:t>
+              </a:r>
+              <a:r>
+                <a:rPr lang="en-US" altLang="ja-JP" sz="400" dirty="0" err="1">
+                  <a:solidFill>
+                    <a:srgbClr val="000000"/>
+                  </a:solidFill>
+                  <a:latin typeface="メイリオ" panose="020B0604030504040204" pitchFamily="50" charset="-128"/>
+                  <a:ea typeface="メイリオ" panose="020B0604030504040204" pitchFamily="50" charset="-128"/>
+                  <a:cs typeface="メイリオ" panose="020B0604030504040204" pitchFamily="50" charset="-128"/>
+                </a:rPr>
+                <a:t>nablarch.fw.web.servlet.WebFrontController</a:t>
+              </a:r>
+              <a:r>
+                <a:rPr lang="en-US" altLang="ja-JP" sz="400" dirty="0">
+                  <a:solidFill>
+                    <a:srgbClr val="000000"/>
+                  </a:solidFill>
+                  <a:latin typeface="メイリオ" panose="020B0604030504040204" pitchFamily="50" charset="-128"/>
+                  <a:ea typeface="メイリオ" panose="020B0604030504040204" pitchFamily="50" charset="-128"/>
+                  <a:cs typeface="メイリオ" panose="020B0604030504040204" pitchFamily="50" charset="-128"/>
+                </a:rPr>
+                <a:t>"&gt;</a:t>
               </a:r>
             </a:p>
             <a:p>
@@ -6532,17 +6416,6 @@
                 <a:defRPr sz="1000"/>
               </a:pPr>
               <a:r>
-                <a:rPr lang="en-US" altLang="ja-JP" sz="400" dirty="0" smtClean="0">
-                  <a:solidFill>
-                    <a:srgbClr val="000000"/>
-                  </a:solidFill>
-                  <a:latin typeface="メイリオ" panose="020B0604030504040204" pitchFamily="50" charset="-128"/>
-                  <a:ea typeface="メイリオ" panose="020B0604030504040204" pitchFamily="50" charset="-128"/>
-                  <a:cs typeface="メイリオ" panose="020B0604030504040204" pitchFamily="50" charset="-128"/>
-                </a:rPr>
-                <a:t>  </a:t>
-              </a:r>
-              <a:r>
                 <a:rPr lang="en-US" altLang="ja-JP" sz="400" dirty="0">
                   <a:solidFill>
                     <a:srgbClr val="000000"/>
@@ -6551,7 +6424,29 @@
                   <a:ea typeface="メイリオ" panose="020B0604030504040204" pitchFamily="50" charset="-128"/>
                   <a:cs typeface="メイリオ" panose="020B0604030504040204" pitchFamily="50" charset="-128"/>
                 </a:rPr>
-                <a:t>&lt;component name="</a:t>
+                <a:t> </a:t>
+              </a:r>
+              <a:r>
+                <a:rPr lang="ja-JP" altLang="en-US" sz="400" dirty="0">
+                  <a:solidFill>
+                    <a:srgbClr val="000000"/>
+                  </a:solidFill>
+                  <a:latin typeface="メイリオ" panose="020B0604030504040204" pitchFamily="50" charset="-128"/>
+                  <a:ea typeface="メイリオ" panose="020B0604030504040204" pitchFamily="50" charset="-128"/>
+                  <a:cs typeface="メイリオ" panose="020B0604030504040204" pitchFamily="50" charset="-128"/>
+                </a:rPr>
+                <a:t>   </a:t>
+              </a:r>
+              <a:r>
+                <a:rPr lang="en-US" altLang="ja-JP" sz="400" dirty="0">
+                  <a:solidFill>
+                    <a:srgbClr val="000000"/>
+                  </a:solidFill>
+                  <a:latin typeface="メイリオ" panose="020B0604030504040204" pitchFamily="50" charset="-128"/>
+                  <a:ea typeface="メイリオ" panose="020B0604030504040204" pitchFamily="50" charset="-128"/>
+                  <a:cs typeface="メイリオ" panose="020B0604030504040204" pitchFamily="50" charset="-128"/>
+                </a:rPr>
+                <a:t>&lt;property name="</a:t>
               </a:r>
               <a:r>
                 <a:rPr lang="en-US" altLang="ja-JP" sz="400" dirty="0" err="1">
@@ -6562,7 +6457,7 @@
                   <a:ea typeface="メイリオ" panose="020B0604030504040204" pitchFamily="50" charset="-128"/>
                   <a:cs typeface="メイリオ" panose="020B0604030504040204" pitchFamily="50" charset="-128"/>
                 </a:rPr>
-                <a:t>webFrontController</a:t>
+                <a:t>handlerQueue</a:t>
               </a:r>
               <a:r>
                 <a:rPr lang="en-US" altLang="ja-JP" sz="400" dirty="0">
@@ -6573,7 +6468,7 @@
                   <a:ea typeface="メイリオ" panose="020B0604030504040204" pitchFamily="50" charset="-128"/>
                   <a:cs typeface="メイリオ" panose="020B0604030504040204" pitchFamily="50" charset="-128"/>
                 </a:rPr>
-                <a:t>"</a:t>
+                <a:t>"&gt;</a:t>
               </a:r>
             </a:p>
             <a:p>
@@ -6584,6 +6479,17 @@
                 <a:defRPr sz="1000"/>
               </a:pPr>
               <a:r>
+                <a:rPr lang="ja-JP" altLang="en-US" sz="400" dirty="0">
+                  <a:solidFill>
+                    <a:srgbClr val="000000"/>
+                  </a:solidFill>
+                  <a:latin typeface="メイリオ" panose="020B0604030504040204" pitchFamily="50" charset="-128"/>
+                  <a:ea typeface="メイリオ" panose="020B0604030504040204" pitchFamily="50" charset="-128"/>
+                  <a:cs typeface="メイリオ" panose="020B0604030504040204" pitchFamily="50" charset="-128"/>
+                </a:rPr>
+                <a:t>   </a:t>
+              </a:r>
+              <a:r>
                 <a:rPr lang="en-US" altLang="ja-JP" sz="400" dirty="0">
                   <a:solidFill>
                     <a:srgbClr val="000000"/>
@@ -6592,38 +6498,8 @@
                   <a:ea typeface="メイリオ" panose="020B0604030504040204" pitchFamily="50" charset="-128"/>
                   <a:cs typeface="メイリオ" panose="020B0604030504040204" pitchFamily="50" charset="-128"/>
                 </a:rPr>
-                <a:t>             class="</a:t>
-              </a:r>
-              <a:r>
-                <a:rPr lang="en-US" altLang="ja-JP" sz="400" dirty="0" err="1">
-                  <a:solidFill>
-                    <a:srgbClr val="000000"/>
-                  </a:solidFill>
-                  <a:latin typeface="メイリオ" panose="020B0604030504040204" pitchFamily="50" charset="-128"/>
-                  <a:ea typeface="メイリオ" panose="020B0604030504040204" pitchFamily="50" charset="-128"/>
-                  <a:cs typeface="メイリオ" panose="020B0604030504040204" pitchFamily="50" charset="-128"/>
-                </a:rPr>
-                <a:t>nablarch.fw.web.servlet.WebFrontController</a:t>
-              </a:r>
-              <a:r>
-                <a:rPr lang="en-US" altLang="ja-JP" sz="400" dirty="0">
-                  <a:solidFill>
-                    <a:srgbClr val="000000"/>
-                  </a:solidFill>
-                  <a:latin typeface="メイリオ" panose="020B0604030504040204" pitchFamily="50" charset="-128"/>
-                  <a:ea typeface="メイリオ" panose="020B0604030504040204" pitchFamily="50" charset="-128"/>
-                  <a:cs typeface="メイリオ" panose="020B0604030504040204" pitchFamily="50" charset="-128"/>
-                </a:rPr>
-                <a:t>"&gt;</a:t>
-              </a:r>
-              <a:endParaRPr lang="en-US" altLang="ja-JP" sz="400" dirty="0" smtClean="0">
-                <a:solidFill>
-                  <a:srgbClr val="000000"/>
-                </a:solidFill>
-                <a:latin typeface="メイリオ" panose="020B0604030504040204" pitchFamily="50" charset="-128"/>
-                <a:ea typeface="メイリオ" panose="020B0604030504040204" pitchFamily="50" charset="-128"/>
-                <a:cs typeface="メイリオ" panose="020B0604030504040204" pitchFamily="50" charset="-128"/>
-              </a:endParaRPr>
+                <a:t>   &lt;list&gt;</a:t>
+              </a:r>
             </a:p>
             <a:p>
               <a:pPr>
@@ -6641,29 +6517,18 @@
                   <a:ea typeface="メイリオ" panose="020B0604030504040204" pitchFamily="50" charset="-128"/>
                   <a:cs typeface="メイリオ" panose="020B0604030504040204" pitchFamily="50" charset="-128"/>
                 </a:rPr>
-                <a:t> </a:t>
-              </a:r>
-              <a:r>
-                <a:rPr lang="ja-JP" altLang="en-US" sz="400" dirty="0" smtClean="0">
-                  <a:solidFill>
-                    <a:srgbClr val="000000"/>
-                  </a:solidFill>
-                  <a:latin typeface="メイリオ" panose="020B0604030504040204" pitchFamily="50" charset="-128"/>
-                  <a:ea typeface="メイリオ" panose="020B0604030504040204" pitchFamily="50" charset="-128"/>
-                  <a:cs typeface="メイリオ" panose="020B0604030504040204" pitchFamily="50" charset="-128"/>
-                </a:rPr>
-                <a:t>   </a:t>
-              </a:r>
-              <a:r>
-                <a:rPr lang="en-US" altLang="ja-JP" sz="400" dirty="0" smtClean="0">
-                  <a:solidFill>
-                    <a:srgbClr val="000000"/>
-                  </a:solidFill>
-                  <a:latin typeface="メイリオ" panose="020B0604030504040204" pitchFamily="50" charset="-128"/>
-                  <a:ea typeface="メイリオ" panose="020B0604030504040204" pitchFamily="50" charset="-128"/>
-                  <a:cs typeface="メイリオ" panose="020B0604030504040204" pitchFamily="50" charset="-128"/>
-                </a:rPr>
-                <a:t>&lt;</a:t>
+                <a:t>        &lt;component class="</a:t>
+              </a:r>
+              <a:r>
+                <a:rPr lang="en-US" altLang="ja-JP" sz="400" dirty="0" err="1">
+                  <a:solidFill>
+                    <a:srgbClr val="000000"/>
+                  </a:solidFill>
+                  <a:latin typeface="メイリオ" panose="020B0604030504040204" pitchFamily="50" charset="-128"/>
+                  <a:ea typeface="メイリオ" panose="020B0604030504040204" pitchFamily="50" charset="-128"/>
+                  <a:cs typeface="メイリオ" panose="020B0604030504040204" pitchFamily="50" charset="-128"/>
+                </a:rPr>
+                <a:t>nablarch.fw.handler.GlobalErrorHandler</a:t>
               </a:r>
               <a:r>
                 <a:rPr lang="en-US" altLang="ja-JP" sz="400" dirty="0">
@@ -6674,38 +6539,8 @@
                   <a:ea typeface="メイリオ" panose="020B0604030504040204" pitchFamily="50" charset="-128"/>
                   <a:cs typeface="メイリオ" panose="020B0604030504040204" pitchFamily="50" charset="-128"/>
                 </a:rPr>
-                <a:t>property name="</a:t>
-              </a:r>
-              <a:r>
-                <a:rPr lang="en-US" altLang="ja-JP" sz="400" dirty="0" err="1">
-                  <a:solidFill>
-                    <a:srgbClr val="000000"/>
-                  </a:solidFill>
-                  <a:latin typeface="メイリオ" panose="020B0604030504040204" pitchFamily="50" charset="-128"/>
-                  <a:ea typeface="メイリオ" panose="020B0604030504040204" pitchFamily="50" charset="-128"/>
-                  <a:cs typeface="メイリオ" panose="020B0604030504040204" pitchFamily="50" charset="-128"/>
-                </a:rPr>
-                <a:t>handlerQueue</a:t>
-              </a:r>
-              <a:r>
-                <a:rPr lang="en-US" altLang="ja-JP" sz="400" dirty="0">
-                  <a:solidFill>
-                    <a:srgbClr val="000000"/>
-                  </a:solidFill>
-                  <a:latin typeface="メイリオ" panose="020B0604030504040204" pitchFamily="50" charset="-128"/>
-                  <a:ea typeface="メイリオ" panose="020B0604030504040204" pitchFamily="50" charset="-128"/>
-                  <a:cs typeface="メイリオ" panose="020B0604030504040204" pitchFamily="50" charset="-128"/>
-                </a:rPr>
-                <a:t>"&gt;</a:t>
-              </a:r>
-              <a:endParaRPr lang="en-US" altLang="ja-JP" sz="400" dirty="0" smtClean="0">
-                <a:solidFill>
-                  <a:srgbClr val="000000"/>
-                </a:solidFill>
-                <a:latin typeface="メイリオ" panose="020B0604030504040204" pitchFamily="50" charset="-128"/>
-                <a:ea typeface="メイリオ" panose="020B0604030504040204" pitchFamily="50" charset="-128"/>
-                <a:cs typeface="メイリオ" panose="020B0604030504040204" pitchFamily="50" charset="-128"/>
-              </a:endParaRPr>
+                <a:t>"/&gt;</a:t>
+              </a:r>
             </a:p>
             <a:p>
               <a:pPr>
@@ -6715,28 +6550,6 @@
                 <a:defRPr sz="1000"/>
               </a:pPr>
               <a:r>
-                <a:rPr lang="ja-JP" altLang="en-US" sz="400" dirty="0" smtClean="0">
-                  <a:solidFill>
-                    <a:srgbClr val="000000"/>
-                  </a:solidFill>
-                  <a:latin typeface="メイリオ" panose="020B0604030504040204" pitchFamily="50" charset="-128"/>
-                  <a:ea typeface="メイリオ" panose="020B0604030504040204" pitchFamily="50" charset="-128"/>
-                  <a:cs typeface="メイリオ" panose="020B0604030504040204" pitchFamily="50" charset="-128"/>
-                </a:rPr>
-                <a:t>   </a:t>
-              </a:r>
-              <a:r>
-                <a:rPr lang="en-US" altLang="ja-JP" sz="400" dirty="0" smtClean="0">
-                  <a:solidFill>
-                    <a:srgbClr val="000000"/>
-                  </a:solidFill>
-                  <a:latin typeface="メイリオ" panose="020B0604030504040204" pitchFamily="50" charset="-128"/>
-                  <a:ea typeface="メイリオ" panose="020B0604030504040204" pitchFamily="50" charset="-128"/>
-                  <a:cs typeface="メイリオ" panose="020B0604030504040204" pitchFamily="50" charset="-128"/>
-                </a:rPr>
-                <a:t>   &lt;</a:t>
-              </a:r>
-              <a:r>
                 <a:rPr lang="en-US" altLang="ja-JP" sz="400" dirty="0">
                   <a:solidFill>
                     <a:srgbClr val="000000"/>
@@ -6745,7 +6558,29 @@
                   <a:ea typeface="メイリオ" panose="020B0604030504040204" pitchFamily="50" charset="-128"/>
                   <a:cs typeface="メイリオ" panose="020B0604030504040204" pitchFamily="50" charset="-128"/>
                 </a:rPr>
-                <a:t>list&gt;</a:t>
+                <a:t>        &lt;component class="</a:t>
+              </a:r>
+              <a:r>
+                <a:rPr lang="en-US" altLang="ja-JP" sz="400" dirty="0" err="1">
+                  <a:solidFill>
+                    <a:srgbClr val="000000"/>
+                  </a:solidFill>
+                  <a:latin typeface="メイリオ" panose="020B0604030504040204" pitchFamily="50" charset="-128"/>
+                  <a:ea typeface="メイリオ" panose="020B0604030504040204" pitchFamily="50" charset="-128"/>
+                  <a:cs typeface="メイリオ" panose="020B0604030504040204" pitchFamily="50" charset="-128"/>
+                </a:rPr>
+                <a:t>nablarch.fw.web.handler.HttpCharacterEncodingHandler</a:t>
+              </a:r>
+              <a:r>
+                <a:rPr lang="en-US" altLang="ja-JP" sz="400" dirty="0">
+                  <a:solidFill>
+                    <a:srgbClr val="000000"/>
+                  </a:solidFill>
+                  <a:latin typeface="メイリオ" panose="020B0604030504040204" pitchFamily="50" charset="-128"/>
+                  <a:ea typeface="メイリオ" panose="020B0604030504040204" pitchFamily="50" charset="-128"/>
+                  <a:cs typeface="メイリオ" panose="020B0604030504040204" pitchFamily="50" charset="-128"/>
+                </a:rPr>
+                <a:t>"/&gt;</a:t>
               </a:r>
             </a:p>
             <a:p>
@@ -6775,7 +6610,7 @@
                   <a:ea typeface="メイリオ" panose="020B0604030504040204" pitchFamily="50" charset="-128"/>
                   <a:cs typeface="メイリオ" panose="020B0604030504040204" pitchFamily="50" charset="-128"/>
                 </a:rPr>
-                <a:t>nablarch.fw.handler.GlobalErrorHandler</a:t>
+                <a:t>nablarch.common.io.FileRecordWriterDisposeHandler</a:t>
               </a:r>
               <a:r>
                 <a:rPr lang="en-US" altLang="ja-JP" sz="400" dirty="0">
@@ -6786,7 +6621,7 @@
                   <a:ea typeface="メイリオ" panose="020B0604030504040204" pitchFamily="50" charset="-128"/>
                   <a:cs typeface="メイリオ" panose="020B0604030504040204" pitchFamily="50" charset="-128"/>
                 </a:rPr>
-                <a:t>"/&gt;</a:t>
+                <a:t>" /&gt;</a:t>
               </a:r>
             </a:p>
             <a:p>
@@ -6816,7 +6651,7 @@
                   <a:ea typeface="メイリオ" panose="020B0604030504040204" pitchFamily="50" charset="-128"/>
                   <a:cs typeface="メイリオ" panose="020B0604030504040204" pitchFamily="50" charset="-128"/>
                 </a:rPr>
-                <a:t>nablarch.fw.web.handler.HttpCharacterEncodingHandler</a:t>
+                <a:t>nablarch.fw.web.handler.HttpResponseHandler</a:t>
               </a:r>
               <a:r>
                 <a:rPr lang="en-US" altLang="ja-JP" sz="400" dirty="0">
@@ -6846,18 +6681,18 @@
                   <a:ea typeface="メイリオ" panose="020B0604030504040204" pitchFamily="50" charset="-128"/>
                   <a:cs typeface="メイリオ" panose="020B0604030504040204" pitchFamily="50" charset="-128"/>
                 </a:rPr>
-                <a:t>        &lt;component class="</a:t>
-              </a:r>
-              <a:r>
-                <a:rPr lang="en-US" altLang="ja-JP" sz="400" dirty="0" err="1">
-                  <a:solidFill>
-                    <a:srgbClr val="000000"/>
-                  </a:solidFill>
-                  <a:latin typeface="メイリオ" panose="020B0604030504040204" pitchFamily="50" charset="-128"/>
-                  <a:ea typeface="メイリオ" panose="020B0604030504040204" pitchFamily="50" charset="-128"/>
-                  <a:cs typeface="メイリオ" panose="020B0604030504040204" pitchFamily="50" charset="-128"/>
-                </a:rPr>
-                <a:t>nablarch.common.io.FileRecordWriterDisposeHandler</a:t>
+                <a:t>        &lt;!-- </a:t>
+              </a:r>
+              <a:r>
+                <a:rPr lang="ja-JP" altLang="en-US" sz="400" dirty="0">
+                  <a:solidFill>
+                    <a:srgbClr val="000000"/>
+                  </a:solidFill>
+                  <a:latin typeface="メイリオ" panose="020B0604030504040204" pitchFamily="50" charset="-128"/>
+                  <a:ea typeface="メイリオ" panose="020B0604030504040204" pitchFamily="50" charset="-128"/>
+                  <a:cs typeface="メイリオ" panose="020B0604030504040204" pitchFamily="50" charset="-128"/>
+                </a:rPr>
+                <a:t>中略 </a:t>
               </a:r>
               <a:r>
                 <a:rPr lang="en-US" altLang="ja-JP" sz="400" dirty="0">
@@ -6868,7 +6703,7 @@
                   <a:ea typeface="メイリオ" panose="020B0604030504040204" pitchFamily="50" charset="-128"/>
                   <a:cs typeface="メイリオ" panose="020B0604030504040204" pitchFamily="50" charset="-128"/>
                 </a:rPr>
-                <a:t>" /&gt;</a:t>
+                <a:t>--&gt;</a:t>
               </a:r>
             </a:p>
             <a:p>
@@ -6887,29 +6722,7 @@
                   <a:ea typeface="メイリオ" panose="020B0604030504040204" pitchFamily="50" charset="-128"/>
                   <a:cs typeface="メイリオ" panose="020B0604030504040204" pitchFamily="50" charset="-128"/>
                 </a:rPr>
-                <a:t>        &lt;component class="</a:t>
-              </a:r>
-              <a:r>
-                <a:rPr lang="en-US" altLang="ja-JP" sz="400" dirty="0" err="1">
-                  <a:solidFill>
-                    <a:srgbClr val="000000"/>
-                  </a:solidFill>
-                  <a:latin typeface="メイリオ" panose="020B0604030504040204" pitchFamily="50" charset="-128"/>
-                  <a:ea typeface="メイリオ" panose="020B0604030504040204" pitchFamily="50" charset="-128"/>
-                  <a:cs typeface="メイリオ" panose="020B0604030504040204" pitchFamily="50" charset="-128"/>
-                </a:rPr>
-                <a:t>nablarch.fw.web.handler.HttpResponseHandler</a:t>
-              </a:r>
-              <a:r>
-                <a:rPr lang="en-US" altLang="ja-JP" sz="400" dirty="0">
-                  <a:solidFill>
-                    <a:srgbClr val="000000"/>
-                  </a:solidFill>
-                  <a:latin typeface="メイリオ" panose="020B0604030504040204" pitchFamily="50" charset="-128"/>
-                  <a:ea typeface="メイリオ" panose="020B0604030504040204" pitchFamily="50" charset="-128"/>
-                  <a:cs typeface="メイリオ" panose="020B0604030504040204" pitchFamily="50" charset="-128"/>
-                </a:rPr>
-                <a:t>"/&gt;</a:t>
+                <a:t>      &lt;/list&gt;</a:t>
               </a:r>
             </a:p>
             <a:p>
@@ -6928,29 +6741,7 @@
                   <a:ea typeface="メイリオ" panose="020B0604030504040204" pitchFamily="50" charset="-128"/>
                   <a:cs typeface="メイリオ" panose="020B0604030504040204" pitchFamily="50" charset="-128"/>
                 </a:rPr>
-                <a:t>        &lt;!-- </a:t>
-              </a:r>
-              <a:r>
-                <a:rPr lang="ja-JP" altLang="en-US" sz="400" dirty="0">
-                  <a:solidFill>
-                    <a:srgbClr val="000000"/>
-                  </a:solidFill>
-                  <a:latin typeface="メイリオ" panose="020B0604030504040204" pitchFamily="50" charset="-128"/>
-                  <a:ea typeface="メイリオ" panose="020B0604030504040204" pitchFamily="50" charset="-128"/>
-                  <a:cs typeface="メイリオ" panose="020B0604030504040204" pitchFamily="50" charset="-128"/>
-                </a:rPr>
-                <a:t>中略 </a:t>
-              </a:r>
-              <a:r>
-                <a:rPr lang="en-US" altLang="ja-JP" sz="400" dirty="0">
-                  <a:solidFill>
-                    <a:srgbClr val="000000"/>
-                  </a:solidFill>
-                  <a:latin typeface="メイリオ" panose="020B0604030504040204" pitchFamily="50" charset="-128"/>
-                  <a:ea typeface="メイリオ" panose="020B0604030504040204" pitchFamily="50" charset="-128"/>
-                  <a:cs typeface="メイリオ" panose="020B0604030504040204" pitchFamily="50" charset="-128"/>
-                </a:rPr>
-                <a:t>--&gt;</a:t>
+                <a:t>    &lt;/property&gt;</a:t>
               </a:r>
             </a:p>
             <a:p>
@@ -6969,76 +6760,8 @@
                   <a:ea typeface="メイリオ" panose="020B0604030504040204" pitchFamily="50" charset="-128"/>
                   <a:cs typeface="メイリオ" panose="020B0604030504040204" pitchFamily="50" charset="-128"/>
                 </a:rPr>
-                <a:t>      &lt;/list</a:t>
-              </a:r>
-              <a:r>
-                <a:rPr lang="en-US" altLang="ja-JP" sz="400" dirty="0" smtClean="0">
-                  <a:solidFill>
-                    <a:srgbClr val="000000"/>
-                  </a:solidFill>
-                  <a:latin typeface="メイリオ" panose="020B0604030504040204" pitchFamily="50" charset="-128"/>
-                  <a:ea typeface="メイリオ" panose="020B0604030504040204" pitchFamily="50" charset="-128"/>
-                  <a:cs typeface="メイリオ" panose="020B0604030504040204" pitchFamily="50" charset="-128"/>
-                </a:rPr>
-                <a:t>&gt;</a:t>
-              </a:r>
-            </a:p>
-            <a:p>
-              <a:pPr>
-                <a:lnSpc>
-                  <a:spcPts val="471"/>
-                </a:lnSpc>
-                <a:defRPr sz="1000"/>
-              </a:pPr>
-              <a:r>
-                <a:rPr lang="en-US" altLang="ja-JP" sz="400" dirty="0" smtClean="0">
-                  <a:solidFill>
-                    <a:srgbClr val="000000"/>
-                  </a:solidFill>
-                  <a:latin typeface="メイリオ" panose="020B0604030504040204" pitchFamily="50" charset="-128"/>
-                  <a:ea typeface="メイリオ" panose="020B0604030504040204" pitchFamily="50" charset="-128"/>
-                  <a:cs typeface="メイリオ" panose="020B0604030504040204" pitchFamily="50" charset="-128"/>
-                </a:rPr>
-                <a:t>    &lt;/property&gt;</a:t>
-              </a:r>
-            </a:p>
-            <a:p>
-              <a:pPr>
-                <a:lnSpc>
-                  <a:spcPts val="471"/>
-                </a:lnSpc>
-                <a:defRPr sz="1000"/>
-              </a:pPr>
-              <a:r>
-                <a:rPr lang="en-US" altLang="ja-JP" sz="400" dirty="0">
-                  <a:solidFill>
-                    <a:srgbClr val="000000"/>
-                  </a:solidFill>
-                  <a:latin typeface="メイリオ" panose="020B0604030504040204" pitchFamily="50" charset="-128"/>
-                  <a:ea typeface="メイリオ" panose="020B0604030504040204" pitchFamily="50" charset="-128"/>
-                  <a:cs typeface="メイリオ" panose="020B0604030504040204" pitchFamily="50" charset="-128"/>
-                </a:rPr>
-                <a:t>  </a:t>
-              </a:r>
-              <a:r>
-                <a:rPr lang="en-US" altLang="ja-JP" sz="400" dirty="0" smtClean="0">
-                  <a:solidFill>
-                    <a:srgbClr val="000000"/>
-                  </a:solidFill>
-                  <a:latin typeface="メイリオ" panose="020B0604030504040204" pitchFamily="50" charset="-128"/>
-                  <a:ea typeface="メイリオ" panose="020B0604030504040204" pitchFamily="50" charset="-128"/>
-                  <a:cs typeface="メイリオ" panose="020B0604030504040204" pitchFamily="50" charset="-128"/>
-                </a:rPr>
-                <a:t>&lt;/component&gt;</a:t>
-              </a:r>
-              <a:endParaRPr lang="en-US" altLang="ja-JP" sz="400" dirty="0">
-                <a:solidFill>
-                  <a:srgbClr val="000000"/>
-                </a:solidFill>
-                <a:latin typeface="メイリオ" panose="020B0604030504040204" pitchFamily="50" charset="-128"/>
-                <a:ea typeface="メイリオ" panose="020B0604030504040204" pitchFamily="50" charset="-128"/>
-                <a:cs typeface="メイリオ" panose="020B0604030504040204" pitchFamily="50" charset="-128"/>
-              </a:endParaRPr>
+                <a:t>  &lt;/component&gt;</a:t>
+              </a:r>
             </a:p>
             <a:p>
               <a:pPr>
@@ -7378,7 +7101,7 @@
                 <a:defRPr sz="1000"/>
               </a:pPr>
               <a:r>
-                <a:rPr lang="en-US" altLang="ja-JP" sz="400" dirty="0" smtClean="0">
+                <a:rPr lang="en-US" altLang="ja-JP" sz="400" dirty="0">
                   <a:solidFill>
                     <a:srgbClr val="000000"/>
                   </a:solidFill>
@@ -7389,7 +7112,7 @@
                 <a:t>nablarch.codeNameTable.name=</a:t>
               </a:r>
               <a:r>
-                <a:rPr lang="en-US" altLang="ja-JP" sz="400" dirty="0" smtClean="0">
+                <a:rPr lang="en-US" altLang="ja-JP" sz="400" dirty="0">
                   <a:solidFill>
                     <a:srgbClr val="FF0000"/>
                   </a:solidFill>
@@ -7582,14 +7305,14 @@
                 <a:defRPr sz="1000"/>
               </a:pPr>
               <a:r>
-                <a:rPr lang="ja-JP" altLang="en-US" sz="400" dirty="0" smtClean="0">
+                <a:rPr lang="ja-JP" altLang="en-US" sz="400" dirty="0">
                   <a:latin typeface="メイリオ" panose="020B0604030504040204" pitchFamily="50" charset="-128"/>
                   <a:ea typeface="メイリオ" panose="020B0604030504040204" pitchFamily="50" charset="-128"/>
                   <a:cs typeface="メイリオ" panose="020B0604030504040204" pitchFamily="50" charset="-128"/>
                 </a:rPr>
                 <a:t>プレースホルダーの設定値</a:t>
               </a:r>
-              <a:endParaRPr lang="en-US" altLang="ja-JP" sz="400" dirty="0" smtClean="0">
+              <a:endParaRPr lang="en-US" altLang="ja-JP" sz="400" dirty="0">
                 <a:latin typeface="メイリオ" panose="020B0604030504040204" pitchFamily="50" charset="-128"/>
                 <a:ea typeface="メイリオ" panose="020B0604030504040204" pitchFamily="50" charset="-128"/>
                 <a:cs typeface="メイリオ" panose="020B0604030504040204" pitchFamily="50" charset="-128"/>
@@ -7599,7 +7322,7 @@
               <a:pPr algn="l" rtl="0">
                 <a:defRPr sz="1000"/>
               </a:pPr>
-              <a:endParaRPr lang="en-US" altLang="ja-JP" sz="400" dirty="0" smtClean="0">
+              <a:endParaRPr lang="en-US" altLang="ja-JP" sz="400" dirty="0">
                 <a:latin typeface="メイリオ" panose="020B0604030504040204" pitchFamily="50" charset="-128"/>
                 <a:ea typeface="メイリオ" panose="020B0604030504040204" pitchFamily="50" charset="-128"/>
                 <a:cs typeface="メイリオ" panose="020B0604030504040204" pitchFamily="50" charset="-128"/>
@@ -7610,18 +7333,13 @@
                 <a:defRPr sz="1000"/>
               </a:pPr>
               <a:r>
-                <a:rPr lang="ja-JP" altLang="en-US" sz="400" dirty="0" smtClean="0">
+                <a:rPr lang="ja-JP" altLang="en-US" sz="400" dirty="0">
                   <a:latin typeface="メイリオ" panose="020B0604030504040204" pitchFamily="50" charset="-128"/>
                   <a:ea typeface="メイリオ" panose="020B0604030504040204" pitchFamily="50" charset="-128"/>
                   <a:cs typeface="メイリオ" panose="020B0604030504040204" pitchFamily="50" charset="-128"/>
                 </a:rPr>
                 <a:t>同じプレースホルダーの場合は、上書きされる。</a:t>
               </a:r>
-              <a:endParaRPr lang="ja-JP" altLang="en-US" sz="400" dirty="0">
-                <a:latin typeface="メイリオ" panose="020B0604030504040204" pitchFamily="50" charset="-128"/>
-                <a:ea typeface="メイリオ" panose="020B0604030504040204" pitchFamily="50" charset="-128"/>
-                <a:cs typeface="メイリオ" panose="020B0604030504040204" pitchFamily="50" charset="-128"/>
-              </a:endParaRPr>
             </a:p>
           </p:txBody>
         </p:sp>
@@ -7732,14 +7450,14 @@
                 <a:defRPr sz="1000"/>
               </a:pPr>
               <a:r>
-                <a:rPr lang="ja-JP" altLang="en-US" sz="400" dirty="0" smtClean="0">
+                <a:rPr lang="ja-JP" altLang="en-US" sz="400" dirty="0">
                   <a:latin typeface="メイリオ" panose="020B0604030504040204" pitchFamily="50" charset="-128"/>
                   <a:ea typeface="メイリオ" panose="020B0604030504040204" pitchFamily="50" charset="-128"/>
                   <a:cs typeface="メイリオ" panose="020B0604030504040204" pitchFamily="50" charset="-128"/>
                 </a:rPr>
                 <a:t>プレースホルダーの設定値</a:t>
               </a:r>
-              <a:endParaRPr lang="en-US" altLang="ja-JP" sz="400" dirty="0" smtClean="0">
+              <a:endParaRPr lang="en-US" altLang="ja-JP" sz="400" dirty="0">
                 <a:latin typeface="メイリオ" panose="020B0604030504040204" pitchFamily="50" charset="-128"/>
                 <a:ea typeface="メイリオ" panose="020B0604030504040204" pitchFamily="50" charset="-128"/>
                 <a:cs typeface="メイリオ" panose="020B0604030504040204" pitchFamily="50" charset="-128"/>
@@ -7749,7 +7467,7 @@
               <a:pPr algn="l" rtl="0">
                 <a:defRPr sz="1000"/>
               </a:pPr>
-              <a:endParaRPr lang="en-US" altLang="ja-JP" sz="400" dirty="0" smtClean="0">
+              <a:endParaRPr lang="en-US" altLang="ja-JP" sz="400" dirty="0">
                 <a:latin typeface="メイリオ" panose="020B0604030504040204" pitchFamily="50" charset="-128"/>
                 <a:ea typeface="メイリオ" panose="020B0604030504040204" pitchFamily="50" charset="-128"/>
                 <a:cs typeface="メイリオ" panose="020B0604030504040204" pitchFamily="50" charset="-128"/>
@@ -7760,18 +7478,13 @@
                 <a:defRPr sz="1000"/>
               </a:pPr>
               <a:r>
-                <a:rPr lang="ja-JP" altLang="en-US" sz="400" dirty="0" smtClean="0">
+                <a:rPr lang="ja-JP" altLang="en-US" sz="400" dirty="0">
                   <a:latin typeface="メイリオ" panose="020B0604030504040204" pitchFamily="50" charset="-128"/>
                   <a:ea typeface="メイリオ" panose="020B0604030504040204" pitchFamily="50" charset="-128"/>
                   <a:cs typeface="メイリオ" panose="020B0604030504040204" pitchFamily="50" charset="-128"/>
                 </a:rPr>
                 <a:t>デフォルトコンフィギュレーションに設定値の無い項目は、必ず設定する必要がある。</a:t>
               </a:r>
-              <a:endParaRPr lang="ja-JP" altLang="en-US" sz="400" dirty="0">
-                <a:latin typeface="メイリオ" panose="020B0604030504040204" pitchFamily="50" charset="-128"/>
-                <a:ea typeface="メイリオ" panose="020B0604030504040204" pitchFamily="50" charset="-128"/>
-                <a:cs typeface="メイリオ" panose="020B0604030504040204" pitchFamily="50" charset="-128"/>
-              </a:endParaRPr>
             </a:p>
           </p:txBody>
         </p:sp>
